--- a/Education_Material/FAQ/OSSライセンス関連でよくある誤解_CC0.pptx
+++ b/Education_Material/FAQ/OSSライセンス関連でよくある誤解_CC0.pptx
@@ -16,8 +16,8 @@
     <p:sldId id="258" r:id="rId4"/>
     <p:sldId id="259" r:id="rId5"/>
     <p:sldId id="260" r:id="rId6"/>
-    <p:sldId id="315" r:id="rId7"/>
-    <p:sldId id="340" r:id="rId8"/>
+    <p:sldId id="340" r:id="rId7"/>
+    <p:sldId id="315" r:id="rId8"/>
     <p:sldId id="336" r:id="rId9"/>
     <p:sldId id="265" r:id="rId10"/>
     <p:sldId id="327" r:id="rId11"/>
@@ -275,7 +275,7 @@
           <a:p>
             <a:fld id="{7EE8F3AE-FD72-4533-A5FB-266F0DC61623}" type="datetimeFigureOut">
               <a:rPr kumimoji="1" lang="ja-JP" altLang="en-US" smtClean="0"/>
-              <a:t>2020/7/22</a:t>
+              <a:t>2020/7/27</a:t>
             </a:fld>
             <a:endParaRPr kumimoji="1" lang="ja-JP" altLang="en-US"/>
           </a:p>
@@ -448,7 +448,7 @@
           <a:p>
             <a:fld id="{F0F040E9-6AB7-471E-8A6F-82F6EB81B1F8}" type="datetimeFigureOut">
               <a:rPr kumimoji="1" lang="ja-JP" altLang="en-US" smtClean="0"/>
-              <a:t>2020/7/22</a:t>
+              <a:t>2020/7/27</a:t>
             </a:fld>
             <a:endParaRPr kumimoji="1" lang="ja-JP" altLang="en-US"/>
           </a:p>
@@ -4679,7 +4679,7 @@
     </p:spTree>
     <p:extLst>
       <p:ext uri="{BB962C8B-B14F-4D97-AF65-F5344CB8AC3E}">
-        <p14:creationId xmlns:p14="http://schemas.microsoft.com/office/powerpoint/2010/main" val="3750816048"/>
+        <p14:creationId xmlns:p14="http://schemas.microsoft.com/office/powerpoint/2010/main" val="1522641308"/>
       </p:ext>
     </p:extLst>
   </p:cSld>
@@ -4789,7 +4789,7 @@
     </p:spTree>
     <p:extLst>
       <p:ext uri="{BB962C8B-B14F-4D97-AF65-F5344CB8AC3E}">
-        <p14:creationId xmlns:p14="http://schemas.microsoft.com/office/powerpoint/2010/main" val="1522641308"/>
+        <p14:creationId xmlns:p14="http://schemas.microsoft.com/office/powerpoint/2010/main" val="3750816048"/>
       </p:ext>
     </p:extLst>
   </p:cSld>
@@ -5198,7 +5198,7 @@
           <a:p>
             <a:fld id="{DF6EEF47-1700-4DA1-A12A-46C3A98268AE}" type="datetime1">
               <a:rPr kumimoji="1" lang="ja-JP" altLang="en-US" smtClean="0"/>
-              <a:t>2020/7/22</a:t>
+              <a:t>2020/7/27</a:t>
             </a:fld>
             <a:endParaRPr kumimoji="1" lang="ja-JP" altLang="en-US"/>
           </a:p>
@@ -5405,7 +5405,7 @@
           <a:p>
             <a:fld id="{6309B751-E20B-4601-8FCC-4DCE76AAF79A}" type="datetime1">
               <a:rPr kumimoji="1" lang="ja-JP" altLang="en-US" smtClean="0"/>
-              <a:t>2020/7/22</a:t>
+              <a:t>2020/7/27</a:t>
             </a:fld>
             <a:endParaRPr kumimoji="1" lang="ja-JP" altLang="en-US"/>
           </a:p>
@@ -5623,7 +5623,7 @@
           <a:p>
             <a:fld id="{FFEAAAF7-EDA0-4235-A545-7AB0C24FBDA6}" type="datetime1">
               <a:rPr kumimoji="1" lang="ja-JP" altLang="en-US" smtClean="0"/>
-              <a:t>2020/7/22</a:t>
+              <a:t>2020/7/27</a:t>
             </a:fld>
             <a:endParaRPr kumimoji="1" lang="ja-JP" altLang="en-US"/>
           </a:p>
@@ -5831,7 +5831,7 @@
           <a:p>
             <a:fld id="{55640C0F-A32A-4236-A248-B36E840FF7D6}" type="datetime1">
               <a:rPr kumimoji="1" lang="ja-JP" altLang="en-US" smtClean="0"/>
-              <a:t>2020/7/22</a:t>
+              <a:t>2020/7/27</a:t>
             </a:fld>
             <a:endParaRPr kumimoji="1" lang="ja-JP" altLang="en-US"/>
           </a:p>
@@ -6104,7 +6104,7 @@
           <a:p>
             <a:fld id="{F96EB0ED-91E7-44FC-A66F-1DCEBF319813}" type="datetime1">
               <a:rPr kumimoji="1" lang="ja-JP" altLang="en-US" smtClean="0"/>
-              <a:t>2020/7/22</a:t>
+              <a:t>2020/7/27</a:t>
             </a:fld>
             <a:endParaRPr kumimoji="1" lang="ja-JP" altLang="en-US"/>
           </a:p>
@@ -6461,7 +6461,7 @@
           <a:p>
             <a:fld id="{3C1B8B4B-7C72-4AB9-B97E-4EAA61B6F01F}" type="datetime1">
               <a:rPr kumimoji="1" lang="ja-JP" altLang="en-US" smtClean="0"/>
-              <a:t>2020/7/22</a:t>
+              <a:t>2020/7/27</a:t>
             </a:fld>
             <a:endParaRPr kumimoji="1" lang="ja-JP" altLang="en-US"/>
           </a:p>
@@ -6952,7 +6952,7 @@
           <a:p>
             <a:fld id="{79E63B48-0467-4B6C-A234-7338FF705378}" type="datetime1">
               <a:rPr kumimoji="1" lang="ja-JP" altLang="en-US" smtClean="0"/>
-              <a:t>2020/7/22</a:t>
+              <a:t>2020/7/27</a:t>
             </a:fld>
             <a:endParaRPr kumimoji="1" lang="ja-JP" altLang="en-US"/>
           </a:p>
@@ -7077,7 +7077,7 @@
           <a:p>
             <a:fld id="{C4E36825-C6A1-41EE-892B-E07291ADACA4}" type="datetime1">
               <a:rPr kumimoji="1" lang="ja-JP" altLang="en-US" smtClean="0"/>
-              <a:t>2020/7/22</a:t>
+              <a:t>2020/7/27</a:t>
             </a:fld>
             <a:endParaRPr kumimoji="1" lang="ja-JP" altLang="en-US"/>
           </a:p>
@@ -7180,7 +7180,7 @@
           <a:p>
             <a:fld id="{D41DE8D1-3938-40AC-A0C1-479AEC672C84}" type="datetime1">
               <a:rPr kumimoji="1" lang="ja-JP" altLang="en-US" smtClean="0"/>
-              <a:t>2020/7/22</a:t>
+              <a:t>2020/7/27</a:t>
             </a:fld>
             <a:endParaRPr kumimoji="1" lang="ja-JP" altLang="en-US"/>
           </a:p>
@@ -7495,7 +7495,7 @@
           <a:p>
             <a:fld id="{3B62A7E3-23A2-4FE6-AB59-3F8AD1E842E6}" type="datetime1">
               <a:rPr kumimoji="1" lang="ja-JP" altLang="en-US" smtClean="0"/>
-              <a:t>2020/7/22</a:t>
+              <a:t>2020/7/27</a:t>
             </a:fld>
             <a:endParaRPr kumimoji="1" lang="ja-JP" altLang="en-US"/>
           </a:p>
@@ -7755,7 +7755,7 @@
           <a:p>
             <a:fld id="{52FDA3B1-B00D-4131-9807-A15A1FC744C7}" type="datetime1">
               <a:rPr kumimoji="1" lang="ja-JP" altLang="en-US" smtClean="0"/>
-              <a:t>2020/7/22</a:t>
+              <a:t>2020/7/27</a:t>
             </a:fld>
             <a:endParaRPr kumimoji="1" lang="ja-JP" altLang="en-US"/>
           </a:p>
@@ -8006,7 +8006,7 @@
           <a:p>
             <a:fld id="{78064DE0-D899-4AB4-8D01-B3366D9037CB}" type="datetime1">
               <a:rPr kumimoji="1" lang="ja-JP" altLang="en-US" smtClean="0"/>
-              <a:t>2020/7/22</a:t>
+              <a:t>2020/7/27</a:t>
             </a:fld>
             <a:endParaRPr kumimoji="1" lang="ja-JP" altLang="en-US"/>
           </a:p>
@@ -8924,7 +8924,7 @@
         <p:spPr>
           <a:xfrm>
             <a:off x="5767194" y="188640"/>
-            <a:ext cx="2603598" cy="369332"/>
+            <a:ext cx="2544286" cy="369332"/>
           </a:xfrm>
           <a:prstGeom prst="rect">
             <a:avLst/>
@@ -8959,7 +8959,7 @@
             </a:r>
             <a:r>
               <a:rPr kumimoji="1" lang="en-US" altLang="ja-JP" dirty="0"/>
-              <a:t>22</a:t>
+              <a:t>27</a:t>
             </a:r>
             <a:r>
               <a:rPr kumimoji="1" lang="ja-JP" altLang="en-US" dirty="0"/>
@@ -9600,10 +9600,10 @@
       </p:sp>
       <p:sp>
         <p:nvSpPr>
-          <p:cNvPr id="23" name="スライド番号プレースホルダー 22">
+          <p:cNvPr id="7" name="スライド番号プレースホルダー 6">
             <a:extLst>
               <a:ext uri="{FF2B5EF4-FFF2-40B4-BE49-F238E27FC236}">
-                <a16:creationId xmlns:a16="http://schemas.microsoft.com/office/drawing/2014/main" id="{39626857-0A76-4F06-B4CC-741DA87125BA}"/>
+                <a16:creationId xmlns:a16="http://schemas.microsoft.com/office/drawing/2014/main" id="{1B167E1F-FA38-4E4E-89C3-1C1E85977DBC}"/>
               </a:ext>
             </a:extLst>
           </p:cNvPr>
@@ -10264,10 +10264,10 @@
       </p:sp>
       <p:sp>
         <p:nvSpPr>
-          <p:cNvPr id="23" name="スライド番号プレースホルダー 22">
+          <p:cNvPr id="7" name="スライド番号プレースホルダー 6">
             <a:extLst>
               <a:ext uri="{FF2B5EF4-FFF2-40B4-BE49-F238E27FC236}">
-                <a16:creationId xmlns:a16="http://schemas.microsoft.com/office/drawing/2014/main" id="{A6D026AC-767D-4A50-97F9-6E0D145C84E1}"/>
+                <a16:creationId xmlns:a16="http://schemas.microsoft.com/office/drawing/2014/main" id="{C4C00E7D-86CC-4C39-9B8B-74232A19419D}"/>
               </a:ext>
             </a:extLst>
           </p:cNvPr>
@@ -10894,10 +10894,10 @@
       </p:sp>
       <p:sp>
         <p:nvSpPr>
-          <p:cNvPr id="23" name="スライド番号プレースホルダー 22">
+          <p:cNvPr id="7" name="スライド番号プレースホルダー 6">
             <a:extLst>
               <a:ext uri="{FF2B5EF4-FFF2-40B4-BE49-F238E27FC236}">
-                <a16:creationId xmlns:a16="http://schemas.microsoft.com/office/drawing/2014/main" id="{2B4D0FEF-8948-41B6-9182-6F36295043FE}"/>
+                <a16:creationId xmlns:a16="http://schemas.microsoft.com/office/drawing/2014/main" id="{F80A9969-FBD8-435C-B5DF-DE0B349312D9}"/>
               </a:ext>
             </a:extLst>
           </p:cNvPr>
@@ -11516,10 +11516,10 @@
       </p:sp>
       <p:sp>
         <p:nvSpPr>
-          <p:cNvPr id="23" name="スライド番号プレースホルダー 22">
+          <p:cNvPr id="7" name="スライド番号プレースホルダー 6">
             <a:extLst>
               <a:ext uri="{FF2B5EF4-FFF2-40B4-BE49-F238E27FC236}">
-                <a16:creationId xmlns:a16="http://schemas.microsoft.com/office/drawing/2014/main" id="{77C14014-613B-47B3-94F0-D563ACD75121}"/>
+                <a16:creationId xmlns:a16="http://schemas.microsoft.com/office/drawing/2014/main" id="{D82EBAA5-9E94-4D0D-B189-47DA19C5119A}"/>
               </a:ext>
             </a:extLst>
           </p:cNvPr>
@@ -12251,10 +12251,10 @@
       </p:sp>
       <p:sp>
         <p:nvSpPr>
-          <p:cNvPr id="24" name="スライド番号プレースホルダー 23">
+          <p:cNvPr id="7" name="スライド番号プレースホルダー 6">
             <a:extLst>
               <a:ext uri="{FF2B5EF4-FFF2-40B4-BE49-F238E27FC236}">
-                <a16:creationId xmlns:a16="http://schemas.microsoft.com/office/drawing/2014/main" id="{FBB54F3D-94AE-4E24-8FA9-8E1FBC4109A5}"/>
+                <a16:creationId xmlns:a16="http://schemas.microsoft.com/office/drawing/2014/main" id="{B32D1B79-F26B-4E30-840E-C12E0476F26A}"/>
               </a:ext>
             </a:extLst>
           </p:cNvPr>
@@ -12874,10 +12874,10 @@
       </p:sp>
       <p:sp>
         <p:nvSpPr>
-          <p:cNvPr id="23" name="スライド番号プレースホルダー 22">
+          <p:cNvPr id="7" name="スライド番号プレースホルダー 6">
             <a:extLst>
               <a:ext uri="{FF2B5EF4-FFF2-40B4-BE49-F238E27FC236}">
-                <a16:creationId xmlns:a16="http://schemas.microsoft.com/office/drawing/2014/main" id="{68AF74A1-25FA-44AD-B59B-BE9628C1079B}"/>
+                <a16:creationId xmlns:a16="http://schemas.microsoft.com/office/drawing/2014/main" id="{18F56B5E-5E92-4362-9928-61A1476DDDE3}"/>
               </a:ext>
             </a:extLst>
           </p:cNvPr>
@@ -13456,10 +13456,10 @@
       </p:sp>
       <p:sp>
         <p:nvSpPr>
-          <p:cNvPr id="23" name="スライド番号プレースホルダー 22">
+          <p:cNvPr id="7" name="スライド番号プレースホルダー 6">
             <a:extLst>
               <a:ext uri="{FF2B5EF4-FFF2-40B4-BE49-F238E27FC236}">
-                <a16:creationId xmlns:a16="http://schemas.microsoft.com/office/drawing/2014/main" id="{ACB1E3CA-5C69-4BED-BA7F-00414BF05F82}"/>
+                <a16:creationId xmlns:a16="http://schemas.microsoft.com/office/drawing/2014/main" id="{92759CEA-A9C2-4B86-B36C-0EB83CE299A2}"/>
               </a:ext>
             </a:extLst>
           </p:cNvPr>
@@ -14185,10 +14185,10 @@
       </p:sp>
       <p:sp>
         <p:nvSpPr>
-          <p:cNvPr id="23" name="スライド番号プレースホルダー 22">
+          <p:cNvPr id="7" name="スライド番号プレースホルダー 6">
             <a:extLst>
               <a:ext uri="{FF2B5EF4-FFF2-40B4-BE49-F238E27FC236}">
-                <a16:creationId xmlns:a16="http://schemas.microsoft.com/office/drawing/2014/main" id="{8C3B12FC-4390-418C-BF8D-AD6EF21B2752}"/>
+                <a16:creationId xmlns:a16="http://schemas.microsoft.com/office/drawing/2014/main" id="{B99AB313-2FF7-473D-A470-C6614D643317}"/>
               </a:ext>
             </a:extLst>
           </p:cNvPr>
@@ -14947,10 +14947,10 @@
       </p:sp>
       <p:sp>
         <p:nvSpPr>
-          <p:cNvPr id="23" name="スライド番号プレースホルダー 22">
+          <p:cNvPr id="7" name="スライド番号プレースホルダー 6">
             <a:extLst>
               <a:ext uri="{FF2B5EF4-FFF2-40B4-BE49-F238E27FC236}">
-                <a16:creationId xmlns:a16="http://schemas.microsoft.com/office/drawing/2014/main" id="{B0592687-5DC5-4AA8-BABD-6D514EAC1BD4}"/>
+                <a16:creationId xmlns:a16="http://schemas.microsoft.com/office/drawing/2014/main" id="{E78D9182-DC03-4DDA-93A2-3CF31D121017}"/>
               </a:ext>
             </a:extLst>
           </p:cNvPr>
@@ -15551,10 +15551,10 @@
       </p:sp>
       <p:sp>
         <p:nvSpPr>
-          <p:cNvPr id="23" name="スライド番号プレースホルダー 22">
+          <p:cNvPr id="10" name="スライド番号プレースホルダー 9">
             <a:extLst>
               <a:ext uri="{FF2B5EF4-FFF2-40B4-BE49-F238E27FC236}">
-                <a16:creationId xmlns:a16="http://schemas.microsoft.com/office/drawing/2014/main" id="{AC6126A8-5E79-4CFF-BF70-5DF601E81C2D}"/>
+                <a16:creationId xmlns:a16="http://schemas.microsoft.com/office/drawing/2014/main" id="{61E53939-D5B6-4186-B5B8-71D4FDD4227F}"/>
               </a:ext>
             </a:extLst>
           </p:cNvPr>
@@ -17015,10 +17015,10 @@
       </p:sp>
       <p:sp>
         <p:nvSpPr>
-          <p:cNvPr id="18" name="スライド番号プレースホルダー 17">
+          <p:cNvPr id="5" name="スライド番号プレースホルダー 4">
             <a:extLst>
               <a:ext uri="{FF2B5EF4-FFF2-40B4-BE49-F238E27FC236}">
-                <a16:creationId xmlns:a16="http://schemas.microsoft.com/office/drawing/2014/main" id="{087B06A5-A61C-4886-9156-42DE2E681ADA}"/>
+                <a16:creationId xmlns:a16="http://schemas.microsoft.com/office/drawing/2014/main" id="{235ACA7A-A7FA-42CC-96DB-8DC8EA5D9D2A}"/>
               </a:ext>
             </a:extLst>
           </p:cNvPr>
@@ -17815,10 +17815,10 @@
       </p:sp>
       <p:sp>
         <p:nvSpPr>
-          <p:cNvPr id="24" name="スライド番号プレースホルダー 23">
+          <p:cNvPr id="7" name="スライド番号プレースホルダー 6">
             <a:extLst>
               <a:ext uri="{FF2B5EF4-FFF2-40B4-BE49-F238E27FC236}">
-                <a16:creationId xmlns:a16="http://schemas.microsoft.com/office/drawing/2014/main" id="{6CD3B8E6-9881-4500-9BC6-85B3680A9F8A}"/>
+                <a16:creationId xmlns:a16="http://schemas.microsoft.com/office/drawing/2014/main" id="{0266BE82-F484-4DBB-849C-8DA57B33DA29}"/>
               </a:ext>
             </a:extLst>
           </p:cNvPr>
@@ -18645,10 +18645,10 @@
       </p:sp>
       <p:sp>
         <p:nvSpPr>
-          <p:cNvPr id="23" name="スライド番号プレースホルダー 22">
+          <p:cNvPr id="8" name="スライド番号プレースホルダー 7">
             <a:extLst>
               <a:ext uri="{FF2B5EF4-FFF2-40B4-BE49-F238E27FC236}">
-                <a16:creationId xmlns:a16="http://schemas.microsoft.com/office/drawing/2014/main" id="{FC28D775-8DAF-46BE-9CAC-A495BC808374}"/>
+                <a16:creationId xmlns:a16="http://schemas.microsoft.com/office/drawing/2014/main" id="{27DA4CF4-1522-4A30-A618-257D5A40943A}"/>
               </a:ext>
             </a:extLst>
           </p:cNvPr>
@@ -19432,10 +19432,10 @@
       </p:sp>
       <p:sp>
         <p:nvSpPr>
-          <p:cNvPr id="23" name="スライド番号プレースホルダー 22">
+          <p:cNvPr id="7" name="スライド番号プレースホルダー 6">
             <a:extLst>
               <a:ext uri="{FF2B5EF4-FFF2-40B4-BE49-F238E27FC236}">
-                <a16:creationId xmlns:a16="http://schemas.microsoft.com/office/drawing/2014/main" id="{B5CC7049-2AD8-43E5-9494-40FC288C0E7B}"/>
+                <a16:creationId xmlns:a16="http://schemas.microsoft.com/office/drawing/2014/main" id="{226F95A4-7825-48AA-8588-E651746B0EA8}"/>
               </a:ext>
             </a:extLst>
           </p:cNvPr>
@@ -20133,10 +20133,10 @@
       </p:sp>
       <p:sp>
         <p:nvSpPr>
-          <p:cNvPr id="24" name="スライド番号プレースホルダー 23">
+          <p:cNvPr id="8" name="スライド番号プレースホルダー 7">
             <a:extLst>
               <a:ext uri="{FF2B5EF4-FFF2-40B4-BE49-F238E27FC236}">
-                <a16:creationId xmlns:a16="http://schemas.microsoft.com/office/drawing/2014/main" id="{22F2E932-8AC7-4F4D-B9A8-A442479B0DBA}"/>
+                <a16:creationId xmlns:a16="http://schemas.microsoft.com/office/drawing/2014/main" id="{9A761571-76CB-4D8C-8D60-93002B892B7D}"/>
               </a:ext>
             </a:extLst>
           </p:cNvPr>
@@ -20839,10 +20839,10 @@
       </p:sp>
       <p:sp>
         <p:nvSpPr>
-          <p:cNvPr id="23" name="スライド番号プレースホルダー 22">
+          <p:cNvPr id="8" name="スライド番号プレースホルダー 7">
             <a:extLst>
               <a:ext uri="{FF2B5EF4-FFF2-40B4-BE49-F238E27FC236}">
-                <a16:creationId xmlns:a16="http://schemas.microsoft.com/office/drawing/2014/main" id="{3C6DC807-7ECD-4CCF-A90D-4EAA86770BE9}"/>
+                <a16:creationId xmlns:a16="http://schemas.microsoft.com/office/drawing/2014/main" id="{7544DD05-EA56-4ABD-8968-A28FEF6E87CA}"/>
               </a:ext>
             </a:extLst>
           </p:cNvPr>
@@ -21491,10 +21491,10 @@
       </p:sp>
       <p:sp>
         <p:nvSpPr>
-          <p:cNvPr id="23" name="スライド番号プレースホルダー 22">
+          <p:cNvPr id="8" name="スライド番号プレースホルダー 7">
             <a:extLst>
               <a:ext uri="{FF2B5EF4-FFF2-40B4-BE49-F238E27FC236}">
-                <a16:creationId xmlns:a16="http://schemas.microsoft.com/office/drawing/2014/main" id="{000F592E-1D6E-492A-B56B-5BC93D5B595A}"/>
+                <a16:creationId xmlns:a16="http://schemas.microsoft.com/office/drawing/2014/main" id="{4CB487E6-E9BD-4988-9C97-249D670CBD6D}"/>
               </a:ext>
             </a:extLst>
           </p:cNvPr>
@@ -22234,10 +22234,10 @@
       </p:sp>
       <p:sp>
         <p:nvSpPr>
-          <p:cNvPr id="23" name="スライド番号プレースホルダー 22">
+          <p:cNvPr id="8" name="スライド番号プレースホルダー 7">
             <a:extLst>
               <a:ext uri="{FF2B5EF4-FFF2-40B4-BE49-F238E27FC236}">
-                <a16:creationId xmlns:a16="http://schemas.microsoft.com/office/drawing/2014/main" id="{5304CEC2-6B72-438A-8EE0-D3888AC9F840}"/>
+                <a16:creationId xmlns:a16="http://schemas.microsoft.com/office/drawing/2014/main" id="{B9AB9D3F-E1CC-46EC-BC0C-AA38D23511D0}"/>
               </a:ext>
             </a:extLst>
           </p:cNvPr>
@@ -22830,10 +22830,10 @@
       </p:sp>
       <p:sp>
         <p:nvSpPr>
-          <p:cNvPr id="24" name="スライド番号プレースホルダー 23">
+          <p:cNvPr id="7" name="スライド番号プレースホルダー 6">
             <a:extLst>
               <a:ext uri="{FF2B5EF4-FFF2-40B4-BE49-F238E27FC236}">
-                <a16:creationId xmlns:a16="http://schemas.microsoft.com/office/drawing/2014/main" id="{9E721430-EFD7-41AD-9F21-2EF1CA9E348C}"/>
+                <a16:creationId xmlns:a16="http://schemas.microsoft.com/office/drawing/2014/main" id="{C40A7D15-18B5-426B-9F02-A712FDF1BE20}"/>
               </a:ext>
             </a:extLst>
           </p:cNvPr>
@@ -23425,10 +23425,10 @@
       </p:sp>
       <p:sp>
         <p:nvSpPr>
-          <p:cNvPr id="23" name="スライド番号プレースホルダー 22">
+          <p:cNvPr id="7" name="スライド番号プレースホルダー 6">
             <a:extLst>
               <a:ext uri="{FF2B5EF4-FFF2-40B4-BE49-F238E27FC236}">
-                <a16:creationId xmlns:a16="http://schemas.microsoft.com/office/drawing/2014/main" id="{637D01D1-4407-4AAB-8B81-5CA6836D2D77}"/>
+                <a16:creationId xmlns:a16="http://schemas.microsoft.com/office/drawing/2014/main" id="{8C281FDA-BB30-4508-AD87-F85AE435022B}"/>
               </a:ext>
             </a:extLst>
           </p:cNvPr>
@@ -24150,10 +24150,10 @@
       </p:sp>
       <p:sp>
         <p:nvSpPr>
-          <p:cNvPr id="23" name="スライド番号プレースホルダー 22">
+          <p:cNvPr id="10" name="スライド番号プレースホルダー 9">
             <a:extLst>
               <a:ext uri="{FF2B5EF4-FFF2-40B4-BE49-F238E27FC236}">
-                <a16:creationId xmlns:a16="http://schemas.microsoft.com/office/drawing/2014/main" id="{329991EC-677D-4E37-81DC-E1437242CFEA}"/>
+                <a16:creationId xmlns:a16="http://schemas.microsoft.com/office/drawing/2014/main" id="{87B0748D-F7C6-4C8B-901B-634F4029C88D}"/>
               </a:ext>
             </a:extLst>
           </p:cNvPr>
@@ -24752,10 +24752,10 @@
       </p:sp>
       <p:sp>
         <p:nvSpPr>
-          <p:cNvPr id="23" name="スライド番号プレースホルダー 22">
+          <p:cNvPr id="8" name="スライド番号プレースホルダー 7">
             <a:extLst>
               <a:ext uri="{FF2B5EF4-FFF2-40B4-BE49-F238E27FC236}">
-                <a16:creationId xmlns:a16="http://schemas.microsoft.com/office/drawing/2014/main" id="{28AEF46E-FB45-40F8-83A0-85276D0EA472}"/>
+                <a16:creationId xmlns:a16="http://schemas.microsoft.com/office/drawing/2014/main" id="{7AEAA9B8-A587-44B5-A5F2-0832DAC4B860}"/>
               </a:ext>
             </a:extLst>
           </p:cNvPr>
@@ -25445,10 +25445,10 @@
       </p:sp>
       <p:sp>
         <p:nvSpPr>
-          <p:cNvPr id="24" name="スライド番号プレースホルダー 23">
+          <p:cNvPr id="7" name="スライド番号プレースホルダー 6">
             <a:extLst>
               <a:ext uri="{FF2B5EF4-FFF2-40B4-BE49-F238E27FC236}">
-                <a16:creationId xmlns:a16="http://schemas.microsoft.com/office/drawing/2014/main" id="{1D3FEF2F-8041-44D6-92F4-E3D338A2FCE8}"/>
+                <a16:creationId xmlns:a16="http://schemas.microsoft.com/office/drawing/2014/main" id="{99F67E6B-C689-4588-80F5-FA373CECE7EE}"/>
               </a:ext>
             </a:extLst>
           </p:cNvPr>
@@ -26198,10 +26198,10 @@
       </p:sp>
       <p:sp>
         <p:nvSpPr>
-          <p:cNvPr id="24" name="スライド番号プレースホルダー 23">
+          <p:cNvPr id="7" name="スライド番号プレースホルダー 6">
             <a:extLst>
               <a:ext uri="{FF2B5EF4-FFF2-40B4-BE49-F238E27FC236}">
-                <a16:creationId xmlns:a16="http://schemas.microsoft.com/office/drawing/2014/main" id="{E3618249-945A-4048-AC11-96BBA5490246}"/>
+                <a16:creationId xmlns:a16="http://schemas.microsoft.com/office/drawing/2014/main" id="{6F409C50-81DE-4104-B466-8C08614E7CEF}"/>
               </a:ext>
             </a:extLst>
           </p:cNvPr>
@@ -26954,10 +26954,10 @@
       </p:sp>
       <p:sp>
         <p:nvSpPr>
-          <p:cNvPr id="23" name="スライド番号プレースホルダー 22">
+          <p:cNvPr id="7" name="スライド番号プレースホルダー 6">
             <a:extLst>
               <a:ext uri="{FF2B5EF4-FFF2-40B4-BE49-F238E27FC236}">
-                <a16:creationId xmlns:a16="http://schemas.microsoft.com/office/drawing/2014/main" id="{6F51EB24-707F-4DFC-B508-DB4FCDAE051A}"/>
+                <a16:creationId xmlns:a16="http://schemas.microsoft.com/office/drawing/2014/main" id="{796DA2F0-D1A7-47EA-8DCA-8CF6938B16D1}"/>
               </a:ext>
             </a:extLst>
           </p:cNvPr>
@@ -27721,10 +27721,10 @@
       </p:sp>
       <p:sp>
         <p:nvSpPr>
-          <p:cNvPr id="23" name="スライド番号プレースホルダー 22">
+          <p:cNvPr id="7" name="スライド番号プレースホルダー 6">
             <a:extLst>
               <a:ext uri="{FF2B5EF4-FFF2-40B4-BE49-F238E27FC236}">
-                <a16:creationId xmlns:a16="http://schemas.microsoft.com/office/drawing/2014/main" id="{AB1DB7F4-6BEF-4771-964A-45C0D552DCB4}"/>
+                <a16:creationId xmlns:a16="http://schemas.microsoft.com/office/drawing/2014/main" id="{E0E3CE54-5D38-48D4-9DB3-DA6DEF6D7A67}"/>
               </a:ext>
             </a:extLst>
           </p:cNvPr>
@@ -28436,10 +28436,10 @@
       </p:sp>
       <p:sp>
         <p:nvSpPr>
-          <p:cNvPr id="24" name="スライド番号プレースホルダー 23">
+          <p:cNvPr id="8" name="スライド番号プレースホルダー 7">
             <a:extLst>
               <a:ext uri="{FF2B5EF4-FFF2-40B4-BE49-F238E27FC236}">
-                <a16:creationId xmlns:a16="http://schemas.microsoft.com/office/drawing/2014/main" id="{4651C536-3F2B-4283-BC7F-E74100F502D8}"/>
+                <a16:creationId xmlns:a16="http://schemas.microsoft.com/office/drawing/2014/main" id="{8EA49DE9-6976-4151-854C-2C816C912410}"/>
               </a:ext>
             </a:extLst>
           </p:cNvPr>
@@ -29145,10 +29145,10 @@
       </p:sp>
       <p:sp>
         <p:nvSpPr>
-          <p:cNvPr id="23" name="スライド番号プレースホルダー 22">
+          <p:cNvPr id="7" name="スライド番号プレースホルダー 6">
             <a:extLst>
               <a:ext uri="{FF2B5EF4-FFF2-40B4-BE49-F238E27FC236}">
-                <a16:creationId xmlns:a16="http://schemas.microsoft.com/office/drawing/2014/main" id="{9FA2C3E1-5BE4-47BC-8101-306CDAF5AA6A}"/>
+                <a16:creationId xmlns:a16="http://schemas.microsoft.com/office/drawing/2014/main" id="{E993934B-32AA-4C00-A276-C63B0D969F70}"/>
               </a:ext>
             </a:extLst>
           </p:cNvPr>
@@ -29833,10 +29833,10 @@
       </p:sp>
       <p:sp>
         <p:nvSpPr>
-          <p:cNvPr id="23" name="スライド番号プレースホルダー 22">
+          <p:cNvPr id="7" name="スライド番号プレースホルダー 6">
             <a:extLst>
               <a:ext uri="{FF2B5EF4-FFF2-40B4-BE49-F238E27FC236}">
-                <a16:creationId xmlns:a16="http://schemas.microsoft.com/office/drawing/2014/main" id="{57A00D0B-09C9-4202-BD0C-2BC305FBEC82}"/>
+                <a16:creationId xmlns:a16="http://schemas.microsoft.com/office/drawing/2014/main" id="{8068E0CB-249D-47FF-B253-0AA575DCEFC6}"/>
               </a:ext>
             </a:extLst>
           </p:cNvPr>
@@ -30517,10 +30517,10 @@
       </p:sp>
       <p:sp>
         <p:nvSpPr>
-          <p:cNvPr id="23" name="スライド番号プレースホルダー 22">
+          <p:cNvPr id="7" name="スライド番号プレースホルダー 6">
             <a:extLst>
               <a:ext uri="{FF2B5EF4-FFF2-40B4-BE49-F238E27FC236}">
-                <a16:creationId xmlns:a16="http://schemas.microsoft.com/office/drawing/2014/main" id="{E1F9F6D2-5E17-4B22-A6E2-2624AB0BEA07}"/>
+                <a16:creationId xmlns:a16="http://schemas.microsoft.com/office/drawing/2014/main" id="{730FCD67-C874-47B0-A875-10CD5E7AA19E}"/>
               </a:ext>
             </a:extLst>
           </p:cNvPr>
@@ -31162,10 +31162,10 @@
       </p:sp>
       <p:sp>
         <p:nvSpPr>
-          <p:cNvPr id="24" name="スライド番号プレースホルダー 23">
+          <p:cNvPr id="7" name="スライド番号プレースホルダー 6">
             <a:extLst>
               <a:ext uri="{FF2B5EF4-FFF2-40B4-BE49-F238E27FC236}">
-                <a16:creationId xmlns:a16="http://schemas.microsoft.com/office/drawing/2014/main" id="{A4621912-E02B-4F95-B2FA-C4D0582841E2}"/>
+                <a16:creationId xmlns:a16="http://schemas.microsoft.com/office/drawing/2014/main" id="{54442CF1-1898-4505-93D0-86F7B46A62B5}"/>
               </a:ext>
             </a:extLst>
           </p:cNvPr>
@@ -32015,10 +32015,10 @@
       </p:sp>
       <p:sp>
         <p:nvSpPr>
-          <p:cNvPr id="23" name="スライド番号プレースホルダー 22">
+          <p:cNvPr id="7" name="スライド番号プレースホルダー 6">
             <a:extLst>
               <a:ext uri="{FF2B5EF4-FFF2-40B4-BE49-F238E27FC236}">
-                <a16:creationId xmlns:a16="http://schemas.microsoft.com/office/drawing/2014/main" id="{004AED73-17AE-477E-B8F1-CD8DDBB9FB08}"/>
+                <a16:creationId xmlns:a16="http://schemas.microsoft.com/office/drawing/2014/main" id="{E14555F1-3578-4CCF-88A8-46E45CAC3B11}"/>
               </a:ext>
             </a:extLst>
           </p:cNvPr>
@@ -32622,10 +32622,10 @@
       </p:sp>
       <p:sp>
         <p:nvSpPr>
-          <p:cNvPr id="23" name="スライド番号プレースホルダー 22">
+          <p:cNvPr id="7" name="スライド番号プレースホルダー 6">
             <a:extLst>
               <a:ext uri="{FF2B5EF4-FFF2-40B4-BE49-F238E27FC236}">
-                <a16:creationId xmlns:a16="http://schemas.microsoft.com/office/drawing/2014/main" id="{F645F69B-BAB3-433F-9D53-8C6E4FC0EB0B}"/>
+                <a16:creationId xmlns:a16="http://schemas.microsoft.com/office/drawing/2014/main" id="{C56665F0-50F2-4B68-A03E-80B08377B47F}"/>
               </a:ext>
             </a:extLst>
           </p:cNvPr>
@@ -32664,6 +32664,711 @@
 </file>
 
 <file path=ppt/slides/slide6.xml><?xml version="1.0" encoding="utf-8"?>
+<p:sld xmlns:a="http://schemas.openxmlformats.org/drawingml/2006/main" xmlns:r="http://schemas.openxmlformats.org/officeDocument/2006/relationships" xmlns:p="http://schemas.openxmlformats.org/presentationml/2006/main">
+  <p:cSld>
+    <p:spTree>
+      <p:nvGrpSpPr>
+        <p:cNvPr id="1" name=""/>
+        <p:cNvGrpSpPr/>
+        <p:nvPr/>
+      </p:nvGrpSpPr>
+      <p:grpSpPr>
+        <a:xfrm>
+          <a:off x="0" y="0"/>
+          <a:ext cx="0" cy="0"/>
+          <a:chOff x="0" y="0"/>
+          <a:chExt cx="0" cy="0"/>
+        </a:xfrm>
+      </p:grpSpPr>
+      <p:sp>
+        <p:nvSpPr>
+          <p:cNvPr id="6" name="正方形/長方形 5"/>
+          <p:cNvSpPr/>
+          <p:nvPr/>
+        </p:nvSpPr>
+        <p:spPr>
+          <a:xfrm>
+            <a:off x="467544" y="2683943"/>
+            <a:ext cx="8280920" cy="3625377"/>
+          </a:xfrm>
+          <a:prstGeom prst="rect">
+            <a:avLst/>
+          </a:prstGeom>
+          <a:solidFill>
+            <a:srgbClr val="FFFFCC"/>
+          </a:solidFill>
+          <a:ln>
+            <a:solidFill>
+              <a:srgbClr val="CC6600"/>
+            </a:solidFill>
+          </a:ln>
+        </p:spPr>
+        <p:style>
+          <a:lnRef idx="2">
+            <a:schemeClr val="accent1">
+              <a:shade val="50000"/>
+            </a:schemeClr>
+          </a:lnRef>
+          <a:fillRef idx="1">
+            <a:schemeClr val="accent1"/>
+          </a:fillRef>
+          <a:effectRef idx="0">
+            <a:schemeClr val="accent1"/>
+          </a:effectRef>
+          <a:fontRef idx="minor">
+            <a:schemeClr val="lt1"/>
+          </a:fontRef>
+        </p:style>
+        <p:txBody>
+          <a:bodyPr rtlCol="0" anchor="ctr"/>
+          <a:lstStyle/>
+          <a:p>
+            <a:pPr algn="ctr"/>
+            <a:endParaRPr kumimoji="1" lang="ja-JP" altLang="en-US">
+              <a:latin typeface="Meiryo UI" panose="020B0604030504040204" pitchFamily="50" charset="-128"/>
+              <a:ea typeface="Meiryo UI" panose="020B0604030504040204" pitchFamily="50" charset="-128"/>
+              <a:cs typeface="Meiryo UI" panose="020B0604030504040204" pitchFamily="50" charset="-128"/>
+            </a:endParaRPr>
+          </a:p>
+        </p:txBody>
+      </p:sp>
+      <p:sp>
+        <p:nvSpPr>
+          <p:cNvPr id="2" name="タイトル 1"/>
+          <p:cNvSpPr>
+            <a:spLocks noGrp="1"/>
+          </p:cNvSpPr>
+          <p:nvPr>
+            <p:ph type="title"/>
+          </p:nvPr>
+        </p:nvSpPr>
+        <p:spPr>
+          <a:xfrm>
+            <a:off x="395536" y="199366"/>
+            <a:ext cx="8424936" cy="637346"/>
+          </a:xfrm>
+          <a:ln>
+            <a:solidFill>
+              <a:schemeClr val="bg1">
+                <a:lumMod val="50000"/>
+              </a:schemeClr>
+            </a:solidFill>
+          </a:ln>
+        </p:spPr>
+        <p:txBody>
+          <a:bodyPr>
+            <a:noAutofit/>
+          </a:bodyPr>
+          <a:lstStyle/>
+          <a:p>
+            <a:r>
+              <a:rPr lang="en-US" altLang="ja-JP" sz="2800" dirty="0">
+                <a:latin typeface="Meiryo UI" panose="020B0604030504040204" pitchFamily="50" charset="-128"/>
+                <a:ea typeface="Meiryo UI" panose="020B0604030504040204" pitchFamily="50" charset="-128"/>
+                <a:cs typeface="Meiryo UI" panose="020B0604030504040204" pitchFamily="50" charset="-128"/>
+              </a:rPr>
+              <a:t>OSS</a:t>
+            </a:r>
+            <a:r>
+              <a:rPr lang="ja-JP" altLang="en-US" sz="2800" dirty="0">
+                <a:latin typeface="Meiryo UI" panose="020B0604030504040204" pitchFamily="50" charset="-128"/>
+                <a:ea typeface="Meiryo UI" panose="020B0604030504040204" pitchFamily="50" charset="-128"/>
+                <a:cs typeface="Meiryo UI" panose="020B0604030504040204" pitchFamily="50" charset="-128"/>
+              </a:rPr>
+              <a:t>の投稿では特許侵害になることはない？</a:t>
+            </a:r>
+            <a:endParaRPr kumimoji="1" lang="ja-JP" altLang="en-US" sz="2800" dirty="0">
+              <a:latin typeface="Meiryo UI" panose="020B0604030504040204" pitchFamily="50" charset="-128"/>
+              <a:ea typeface="Meiryo UI" panose="020B0604030504040204" pitchFamily="50" charset="-128"/>
+              <a:cs typeface="Meiryo UI" panose="020B0604030504040204" pitchFamily="50" charset="-128"/>
+            </a:endParaRPr>
+          </a:p>
+        </p:txBody>
+      </p:sp>
+      <p:sp>
+        <p:nvSpPr>
+          <p:cNvPr id="10" name="コンテンツ プレースホルダー 9"/>
+          <p:cNvSpPr>
+            <a:spLocks noGrp="1"/>
+          </p:cNvSpPr>
+          <p:nvPr>
+            <p:ph idx="1"/>
+          </p:nvPr>
+        </p:nvSpPr>
+        <p:spPr>
+          <a:xfrm>
+            <a:off x="457200" y="3666738"/>
+            <a:ext cx="8291264" cy="2642581"/>
+          </a:xfrm>
+        </p:spPr>
+        <p:txBody>
+          <a:bodyPr>
+            <a:noAutofit/>
+          </a:bodyPr>
+          <a:lstStyle/>
+          <a:p>
+            <a:pPr fontAlgn="base">
+              <a:lnSpc>
+                <a:spcPts val="3000"/>
+              </a:lnSpc>
+              <a:spcBef>
+                <a:spcPts val="0"/>
+              </a:spcBef>
+              <a:buFont typeface="Wingdings" panose="05000000000000000000" pitchFamily="2" charset="2"/>
+              <a:buChar char="u"/>
+            </a:pPr>
+            <a:r>
+              <a:rPr lang="ja-JP" altLang="en-US" sz="2000" dirty="0">
+                <a:latin typeface="Meiryo UI" panose="020B0604030504040204" pitchFamily="50" charset="-128"/>
+                <a:ea typeface="Meiryo UI" panose="020B0604030504040204" pitchFamily="50" charset="-128"/>
+                <a:cs typeface="Meiryo UI" panose="020B0604030504040204" pitchFamily="50" charset="-128"/>
+              </a:rPr>
+              <a:t>日本の特許法では、特許権者の許諾なく、特許を含む物を業として生産、使用、譲渡等、輸出もしくは輸入または譲渡等の申出する行為はできません。</a:t>
+            </a:r>
+            <a:endParaRPr lang="en-US" altLang="ja-JP" sz="2000" dirty="0">
+              <a:latin typeface="Meiryo UI" panose="020B0604030504040204" pitchFamily="50" charset="-128"/>
+              <a:ea typeface="Meiryo UI" panose="020B0604030504040204" pitchFamily="50" charset="-128"/>
+              <a:cs typeface="Meiryo UI" panose="020B0604030504040204" pitchFamily="50" charset="-128"/>
+            </a:endParaRPr>
+          </a:p>
+          <a:p>
+            <a:pPr fontAlgn="base">
+              <a:lnSpc>
+                <a:spcPts val="3000"/>
+              </a:lnSpc>
+              <a:spcBef>
+                <a:spcPts val="0"/>
+              </a:spcBef>
+              <a:buFont typeface="Wingdings" panose="05000000000000000000" pitchFamily="2" charset="2"/>
+              <a:buChar char="u"/>
+            </a:pPr>
+            <a:r>
+              <a:rPr lang="ja-JP" altLang="en-US" sz="2000" dirty="0">
+                <a:latin typeface="Meiryo UI" panose="020B0604030504040204" pitchFamily="50" charset="-128"/>
+                <a:ea typeface="Meiryo UI" panose="020B0604030504040204" pitchFamily="50" charset="-128"/>
+                <a:cs typeface="Meiryo UI" panose="020B0604030504040204" pitchFamily="50" charset="-128"/>
+              </a:rPr>
+              <a:t>したがって、投稿したプログラムに、特許権者の許諾を得ていない特許が含まれていた場合、収益を得ていなかったとしても、特許侵害になります。</a:t>
+            </a:r>
+            <a:endParaRPr lang="en-US" altLang="ja-JP" sz="2000" dirty="0">
+              <a:latin typeface="Meiryo UI" panose="020B0604030504040204" pitchFamily="50" charset="-128"/>
+              <a:ea typeface="Meiryo UI" panose="020B0604030504040204" pitchFamily="50" charset="-128"/>
+              <a:cs typeface="Meiryo UI" panose="020B0604030504040204" pitchFamily="50" charset="-128"/>
+            </a:endParaRPr>
+          </a:p>
+          <a:p>
+            <a:pPr marL="0" indent="0" fontAlgn="base">
+              <a:lnSpc>
+                <a:spcPts val="3000"/>
+              </a:lnSpc>
+              <a:spcBef>
+                <a:spcPts val="0"/>
+              </a:spcBef>
+              <a:buNone/>
+            </a:pPr>
+            <a:endParaRPr lang="en-US" altLang="ja-JP" sz="2000" dirty="0">
+              <a:latin typeface="Meiryo UI" panose="020B0604030504040204" pitchFamily="50" charset="-128"/>
+              <a:ea typeface="Meiryo UI" panose="020B0604030504040204" pitchFamily="50" charset="-128"/>
+              <a:cs typeface="Meiryo UI" panose="020B0604030504040204" pitchFamily="50" charset="-128"/>
+            </a:endParaRPr>
+          </a:p>
+          <a:p>
+            <a:pPr marL="0" indent="0" fontAlgn="base">
+              <a:lnSpc>
+                <a:spcPts val="3000"/>
+              </a:lnSpc>
+              <a:spcBef>
+                <a:spcPts val="0"/>
+              </a:spcBef>
+              <a:buNone/>
+            </a:pPr>
+            <a:r>
+              <a:rPr lang="ja-JP" altLang="en-US" sz="2000" dirty="0">
+                <a:latin typeface="Meiryo UI" panose="020B0604030504040204" pitchFamily="50" charset="-128"/>
+                <a:ea typeface="Meiryo UI" panose="020B0604030504040204" pitchFamily="50" charset="-128"/>
+                <a:cs typeface="Meiryo UI" panose="020B0604030504040204" pitchFamily="50" charset="-128"/>
+              </a:rPr>
+              <a:t>　</a:t>
+            </a:r>
+            <a:r>
+              <a:rPr lang="en-US" altLang="ja-JP" sz="2000" dirty="0">
+                <a:latin typeface="Meiryo UI" panose="020B0604030504040204" pitchFamily="50" charset="-128"/>
+                <a:ea typeface="Meiryo UI" panose="020B0604030504040204" pitchFamily="50" charset="-128"/>
+                <a:cs typeface="Meiryo UI" panose="020B0604030504040204" pitchFamily="50" charset="-128"/>
+              </a:rPr>
+              <a:t>【</a:t>
+            </a:r>
+            <a:r>
+              <a:rPr lang="ja-JP" altLang="en-US" sz="2000" dirty="0">
+                <a:latin typeface="Meiryo UI" panose="020B0604030504040204" pitchFamily="50" charset="-128"/>
+                <a:ea typeface="Meiryo UI" panose="020B0604030504040204" pitchFamily="50" charset="-128"/>
+                <a:cs typeface="Meiryo UI" panose="020B0604030504040204" pitchFamily="50" charset="-128"/>
+              </a:rPr>
+              <a:t>関連条項</a:t>
+            </a:r>
+            <a:r>
+              <a:rPr lang="en-US" altLang="ja-JP" sz="2000" dirty="0">
+                <a:latin typeface="Meiryo UI" panose="020B0604030504040204" pitchFamily="50" charset="-128"/>
+                <a:ea typeface="Meiryo UI" panose="020B0604030504040204" pitchFamily="50" charset="-128"/>
+                <a:cs typeface="Meiryo UI" panose="020B0604030504040204" pitchFamily="50" charset="-128"/>
+              </a:rPr>
+              <a:t>】</a:t>
+            </a:r>
+            <a:r>
+              <a:rPr lang="ja-JP" altLang="en-US" sz="2000" dirty="0">
+                <a:latin typeface="Meiryo UI" panose="020B0604030504040204" pitchFamily="50" charset="-128"/>
+                <a:ea typeface="Meiryo UI" panose="020B0604030504040204" pitchFamily="50" charset="-128"/>
+                <a:cs typeface="Meiryo UI" panose="020B0604030504040204" pitchFamily="50" charset="-128"/>
+              </a:rPr>
+              <a:t>特許法（</a:t>
+            </a:r>
+            <a:r>
+              <a:rPr lang="ja-JP" altLang="en-US" sz="2000" dirty="0">
+                <a:latin typeface="Meiryo UI" panose="020B0604030504040204" pitchFamily="50" charset="-128"/>
+                <a:ea typeface="Meiryo UI" panose="020B0604030504040204" pitchFamily="50" charset="-128"/>
+                <a:cs typeface="Meiryo UI" panose="020B0604030504040204" pitchFamily="50" charset="-128"/>
+                <a:hlinkClick r:id="rId3"/>
+              </a:rPr>
+              <a:t>第二条</a:t>
+            </a:r>
+            <a:r>
+              <a:rPr lang="en-US" altLang="ja-JP" sz="2000" dirty="0">
+                <a:latin typeface="Meiryo UI" panose="020B0604030504040204" pitchFamily="50" charset="-128"/>
+                <a:ea typeface="Meiryo UI" panose="020B0604030504040204" pitchFamily="50" charset="-128"/>
+                <a:cs typeface="Meiryo UI" panose="020B0604030504040204" pitchFamily="50" charset="-128"/>
+                <a:hlinkClick r:id="rId3"/>
+              </a:rPr>
+              <a:t>3</a:t>
+            </a:r>
+            <a:r>
+              <a:rPr lang="ja-JP" altLang="en-US" sz="2000" dirty="0">
+                <a:latin typeface="Meiryo UI" panose="020B0604030504040204" pitchFamily="50" charset="-128"/>
+                <a:ea typeface="Meiryo UI" panose="020B0604030504040204" pitchFamily="50" charset="-128"/>
+                <a:cs typeface="Meiryo UI" panose="020B0604030504040204" pitchFamily="50" charset="-128"/>
+                <a:hlinkClick r:id="rId3"/>
+              </a:rPr>
+              <a:t>項</a:t>
+            </a:r>
+            <a:r>
+              <a:rPr lang="ja-JP" altLang="en-US" sz="2000" dirty="0">
+                <a:latin typeface="Meiryo UI" panose="020B0604030504040204" pitchFamily="50" charset="-128"/>
+                <a:ea typeface="Meiryo UI" panose="020B0604030504040204" pitchFamily="50" charset="-128"/>
+                <a:cs typeface="Meiryo UI" panose="020B0604030504040204" pitchFamily="50" charset="-128"/>
+              </a:rPr>
+              <a:t>：「実施」とは）</a:t>
+            </a:r>
+            <a:endParaRPr lang="en-US" altLang="ja-JP" sz="2000" dirty="0">
+              <a:latin typeface="Meiryo UI" panose="020B0604030504040204" pitchFamily="50" charset="-128"/>
+              <a:ea typeface="Meiryo UI" panose="020B0604030504040204" pitchFamily="50" charset="-128"/>
+              <a:cs typeface="Meiryo UI" panose="020B0604030504040204" pitchFamily="50" charset="-128"/>
+            </a:endParaRPr>
+          </a:p>
+        </p:txBody>
+      </p:sp>
+      <p:sp>
+        <p:nvSpPr>
+          <p:cNvPr id="4" name="角丸四角形 3"/>
+          <p:cNvSpPr/>
+          <p:nvPr/>
+        </p:nvSpPr>
+        <p:spPr>
+          <a:xfrm>
+            <a:off x="467544" y="1340768"/>
+            <a:ext cx="8280920" cy="1296144"/>
+          </a:xfrm>
+          <a:prstGeom prst="roundRect">
+            <a:avLst/>
+          </a:prstGeom>
+          <a:solidFill>
+            <a:schemeClr val="accent1">
+              <a:lumMod val="20000"/>
+              <a:lumOff val="80000"/>
+            </a:schemeClr>
+          </a:solidFill>
+        </p:spPr>
+        <p:style>
+          <a:lnRef idx="2">
+            <a:schemeClr val="accent1">
+              <a:shade val="50000"/>
+            </a:schemeClr>
+          </a:lnRef>
+          <a:fillRef idx="1">
+            <a:schemeClr val="accent1"/>
+          </a:fillRef>
+          <a:effectRef idx="0">
+            <a:schemeClr val="accent1"/>
+          </a:effectRef>
+          <a:fontRef idx="minor">
+            <a:schemeClr val="lt1"/>
+          </a:fontRef>
+        </p:style>
+        <p:txBody>
+          <a:bodyPr rtlCol="0" anchor="ctr"/>
+          <a:lstStyle/>
+          <a:p>
+            <a:pPr fontAlgn="ctr">
+              <a:lnSpc>
+                <a:spcPts val="3000"/>
+              </a:lnSpc>
+              <a:spcBef>
+                <a:spcPct val="0"/>
+              </a:spcBef>
+              <a:spcAft>
+                <a:spcPct val="0"/>
+              </a:spcAft>
+            </a:pPr>
+            <a:r>
+              <a:rPr lang="ja-JP" altLang="en-US" sz="2000" dirty="0">
+                <a:solidFill>
+                  <a:schemeClr val="tx1"/>
+                </a:solidFill>
+                <a:latin typeface="Meiryo UI" panose="020B0604030504040204" pitchFamily="50" charset="-128"/>
+                <a:ea typeface="Meiryo UI" panose="020B0604030504040204" pitchFamily="50" charset="-128"/>
+              </a:rPr>
+              <a:t>　企業の開発者が、無償の</a:t>
+            </a:r>
+            <a:r>
+              <a:rPr lang="en-US" altLang="ja-JP" sz="2000" dirty="0">
+                <a:solidFill>
+                  <a:schemeClr val="tx1"/>
+                </a:solidFill>
+                <a:latin typeface="Meiryo UI" panose="020B0604030504040204" pitchFamily="50" charset="-128"/>
+                <a:ea typeface="Meiryo UI" panose="020B0604030504040204" pitchFamily="50" charset="-128"/>
+              </a:rPr>
+              <a:t>OSS</a:t>
+            </a:r>
+            <a:r>
+              <a:rPr lang="ja-JP" altLang="en-US" sz="2000" dirty="0">
+                <a:solidFill>
+                  <a:schemeClr val="tx1"/>
+                </a:solidFill>
+                <a:latin typeface="Meiryo UI" panose="020B0604030504040204" pitchFamily="50" charset="-128"/>
+                <a:ea typeface="Meiryo UI" panose="020B0604030504040204" pitchFamily="50" charset="-128"/>
+              </a:rPr>
+              <a:t>として公開するために、</a:t>
+            </a:r>
+            <a:r>
+              <a:rPr lang="en-US" altLang="ja-JP" sz="2000" dirty="0">
+                <a:solidFill>
+                  <a:schemeClr val="tx1"/>
+                </a:solidFill>
+                <a:latin typeface="Meiryo UI" panose="020B0604030504040204" pitchFamily="50" charset="-128"/>
+                <a:ea typeface="Meiryo UI" panose="020B0604030504040204" pitchFamily="50" charset="-128"/>
+              </a:rPr>
+              <a:t>GitHub</a:t>
+            </a:r>
+            <a:r>
+              <a:rPr lang="ja-JP" altLang="en-US" sz="2000" dirty="0">
+                <a:solidFill>
+                  <a:schemeClr val="tx1"/>
+                </a:solidFill>
+                <a:latin typeface="Meiryo UI" panose="020B0604030504040204" pitchFamily="50" charset="-128"/>
+                <a:ea typeface="Meiryo UI" panose="020B0604030504040204" pitchFamily="50" charset="-128"/>
+              </a:rPr>
+              <a:t>等にプログラムを投稿した場合、特に収益を得ているわけではないので、特許侵害になることはないですか</a:t>
+            </a:r>
+            <a:r>
+              <a:rPr lang="ja-JP" altLang="en-US" sz="2000" dirty="0">
+                <a:solidFill>
+                  <a:schemeClr val="tx1"/>
+                </a:solidFill>
+                <a:latin typeface="Meiryo UI" panose="020B0604030504040204" pitchFamily="50" charset="-128"/>
+                <a:ea typeface="Meiryo UI" panose="020B0604030504040204" pitchFamily="50" charset="-128"/>
+                <a:cs typeface="Meiryo UI" panose="020B0604030504040204" pitchFamily="50" charset="-128"/>
+              </a:rPr>
+              <a:t>？</a:t>
+            </a:r>
+          </a:p>
+        </p:txBody>
+      </p:sp>
+      <p:sp>
+        <p:nvSpPr>
+          <p:cNvPr id="9" name="テキスト ボックス 8"/>
+          <p:cNvSpPr txBox="1"/>
+          <p:nvPr/>
+        </p:nvSpPr>
+        <p:spPr>
+          <a:xfrm>
+            <a:off x="3131840" y="2850267"/>
+            <a:ext cx="3744416" cy="769441"/>
+          </a:xfrm>
+          <a:prstGeom prst="rect">
+            <a:avLst/>
+          </a:prstGeom>
+          <a:noFill/>
+        </p:spPr>
+        <p:txBody>
+          <a:bodyPr wrap="square" rtlCol="0">
+            <a:spAutoFit/>
+          </a:bodyPr>
+          <a:lstStyle/>
+          <a:p>
+            <a:r>
+              <a:rPr kumimoji="1" lang="ja-JP" altLang="en-US" sz="4400" b="1" dirty="0">
+                <a:solidFill>
+                  <a:srgbClr val="C00000"/>
+                </a:solidFill>
+                <a:latin typeface="Meiryo UI" panose="020B0604030504040204" pitchFamily="50" charset="-128"/>
+                <a:ea typeface="Meiryo UI" panose="020B0604030504040204" pitchFamily="50" charset="-128"/>
+                <a:cs typeface="Meiryo UI" panose="020B0604030504040204" pitchFamily="50" charset="-128"/>
+              </a:rPr>
+              <a:t>いいえ</a:t>
+            </a:r>
+          </a:p>
+        </p:txBody>
+      </p:sp>
+      <p:sp>
+        <p:nvSpPr>
+          <p:cNvPr id="3" name="フッター プレースホルダー 2"/>
+          <p:cNvSpPr>
+            <a:spLocks noGrp="1"/>
+          </p:cNvSpPr>
+          <p:nvPr>
+            <p:ph type="ftr" sz="quarter" idx="11"/>
+          </p:nvPr>
+        </p:nvSpPr>
+        <p:spPr/>
+        <p:txBody>
+          <a:bodyPr/>
+          <a:lstStyle/>
+          <a:p>
+            <a:r>
+              <a:rPr kumimoji="1" lang="en-US" altLang="ja-JP"/>
+              <a:t>CC0-1.0</a:t>
+            </a:r>
+            <a:r>
+              <a:rPr kumimoji="1" lang="ja-JP" altLang="en-US"/>
+              <a:t>（パブリックドメイン）</a:t>
+            </a:r>
+            <a:endParaRPr kumimoji="1" lang="ja-JP" altLang="en-US" dirty="0"/>
+          </a:p>
+        </p:txBody>
+      </p:sp>
+      <p:sp>
+        <p:nvSpPr>
+          <p:cNvPr id="11" name="テキスト ボックス 10">
+            <a:extLst>
+              <a:ext uri="{FF2B5EF4-FFF2-40B4-BE49-F238E27FC236}">
+                <a16:creationId xmlns:a16="http://schemas.microsoft.com/office/drawing/2014/main" id="{1F3C87A8-C9D5-403A-9141-1BF329374B2F}"/>
+              </a:ext>
+            </a:extLst>
+          </p:cNvPr>
+          <p:cNvSpPr txBox="1"/>
+          <p:nvPr/>
+        </p:nvSpPr>
+        <p:spPr>
+          <a:xfrm>
+            <a:off x="418320" y="6309320"/>
+            <a:ext cx="1457450" cy="276999"/>
+          </a:xfrm>
+          <a:prstGeom prst="rect">
+            <a:avLst/>
+          </a:prstGeom>
+          <a:noFill/>
+        </p:spPr>
+        <p:txBody>
+          <a:bodyPr wrap="none" rtlCol="0">
+            <a:spAutoFit/>
+          </a:bodyPr>
+          <a:lstStyle/>
+          <a:p>
+            <a:r>
+              <a:rPr kumimoji="1" lang="en-US" altLang="ja-JP" sz="1200" dirty="0">
+                <a:latin typeface="Meiryo UI" panose="020B0604030504040204" pitchFamily="50" charset="-128"/>
+                <a:ea typeface="Meiryo UI" panose="020B0604030504040204" pitchFamily="50" charset="-128"/>
+              </a:rPr>
+              <a:t>#</a:t>
+            </a:r>
+            <a:r>
+              <a:rPr kumimoji="1" lang="ja-JP" altLang="en-US" sz="1200" dirty="0">
+                <a:latin typeface="Meiryo UI" panose="020B0604030504040204" pitchFamily="50" charset="-128"/>
+                <a:ea typeface="Meiryo UI" panose="020B0604030504040204" pitchFamily="50" charset="-128"/>
+              </a:rPr>
+              <a:t>投稿　</a:t>
+            </a:r>
+            <a:r>
+              <a:rPr kumimoji="1" lang="en-US" altLang="ja-JP" sz="1200" dirty="0">
+                <a:latin typeface="Meiryo UI" panose="020B0604030504040204" pitchFamily="50" charset="-128"/>
+                <a:ea typeface="Meiryo UI" panose="020B0604030504040204" pitchFamily="50" charset="-128"/>
+              </a:rPr>
+              <a:t>#</a:t>
+            </a:r>
+            <a:r>
+              <a:rPr kumimoji="1" lang="ja-JP" altLang="en-US" sz="1200" dirty="0">
+                <a:latin typeface="Meiryo UI" panose="020B0604030504040204" pitchFamily="50" charset="-128"/>
+                <a:ea typeface="Meiryo UI" panose="020B0604030504040204" pitchFamily="50" charset="-128"/>
+              </a:rPr>
+              <a:t>特許侵害</a:t>
+            </a:r>
+          </a:p>
+        </p:txBody>
+      </p:sp>
+      <p:sp>
+        <p:nvSpPr>
+          <p:cNvPr id="12" name="テキスト ボックス 11">
+            <a:extLst>
+              <a:ext uri="{FF2B5EF4-FFF2-40B4-BE49-F238E27FC236}">
+                <a16:creationId xmlns:a16="http://schemas.microsoft.com/office/drawing/2014/main" id="{24F0EDEF-029D-495E-A67A-C555ABF10C90}"/>
+              </a:ext>
+            </a:extLst>
+          </p:cNvPr>
+          <p:cNvSpPr txBox="1"/>
+          <p:nvPr/>
+        </p:nvSpPr>
+        <p:spPr>
+          <a:xfrm>
+            <a:off x="113828" y="476672"/>
+            <a:ext cx="2808782" cy="1015663"/>
+          </a:xfrm>
+          <a:prstGeom prst="rect">
+            <a:avLst/>
+          </a:prstGeom>
+          <a:noFill/>
+        </p:spPr>
+        <p:txBody>
+          <a:bodyPr wrap="none" rtlCol="0">
+            <a:spAutoFit/>
+          </a:bodyPr>
+          <a:lstStyle/>
+          <a:p>
+            <a:r>
+              <a:rPr lang="en-US" altLang="ja-JP" sz="6000" b="1" dirty="0">
+                <a:solidFill>
+                  <a:srgbClr val="C00000"/>
+                </a:solidFill>
+                <a:latin typeface="Meiryo UI" panose="020B0604030504040204" pitchFamily="50" charset="-128"/>
+                <a:ea typeface="Meiryo UI" panose="020B0604030504040204" pitchFamily="50" charset="-128"/>
+                <a:cs typeface="Meiryo UI" panose="020B0604030504040204" pitchFamily="50" charset="-128"/>
+              </a:rPr>
+              <a:t>Q</a:t>
+            </a:r>
+            <a:r>
+              <a:rPr lang="en-US" altLang="ja-JP" sz="4000" b="1" dirty="0">
+                <a:solidFill>
+                  <a:srgbClr val="C00000"/>
+                </a:solidFill>
+                <a:latin typeface="Meiryo UI" panose="020B0604030504040204" pitchFamily="50" charset="-128"/>
+                <a:ea typeface="Meiryo UI" panose="020B0604030504040204" pitchFamily="50" charset="-128"/>
+                <a:cs typeface="Meiryo UI" panose="020B0604030504040204" pitchFamily="50" charset="-128"/>
+              </a:rPr>
+              <a:t>uestion</a:t>
+            </a:r>
+            <a:endParaRPr kumimoji="1" lang="ja-JP" altLang="en-US" sz="4000" b="1" dirty="0">
+              <a:solidFill>
+                <a:srgbClr val="C00000"/>
+              </a:solidFill>
+              <a:latin typeface="Meiryo UI" panose="020B0604030504040204" pitchFamily="50" charset="-128"/>
+              <a:ea typeface="Meiryo UI" panose="020B0604030504040204" pitchFamily="50" charset="-128"/>
+              <a:cs typeface="Meiryo UI" panose="020B0604030504040204" pitchFamily="50" charset="-128"/>
+            </a:endParaRPr>
+          </a:p>
+        </p:txBody>
+      </p:sp>
+      <p:sp>
+        <p:nvSpPr>
+          <p:cNvPr id="13" name="テキスト ボックス 12">
+            <a:extLst>
+              <a:ext uri="{FF2B5EF4-FFF2-40B4-BE49-F238E27FC236}">
+                <a16:creationId xmlns:a16="http://schemas.microsoft.com/office/drawing/2014/main" id="{781F96EC-E865-43D7-B9AA-97413AD2BCE2}"/>
+              </a:ext>
+            </a:extLst>
+          </p:cNvPr>
+          <p:cNvSpPr txBox="1"/>
+          <p:nvPr/>
+        </p:nvSpPr>
+        <p:spPr>
+          <a:xfrm>
+            <a:off x="403920" y="2420888"/>
+            <a:ext cx="2401619" cy="1015663"/>
+          </a:xfrm>
+          <a:prstGeom prst="rect">
+            <a:avLst/>
+          </a:prstGeom>
+          <a:noFill/>
+        </p:spPr>
+        <p:txBody>
+          <a:bodyPr wrap="none" rtlCol="0">
+            <a:spAutoFit/>
+          </a:bodyPr>
+          <a:lstStyle/>
+          <a:p>
+            <a:r>
+              <a:rPr lang="en-US" altLang="ja-JP" sz="6000" b="1" dirty="0">
+                <a:solidFill>
+                  <a:srgbClr val="C00000"/>
+                </a:solidFill>
+                <a:latin typeface="Meiryo UI" panose="020B0604030504040204" pitchFamily="50" charset="-128"/>
+                <a:ea typeface="Meiryo UI" panose="020B0604030504040204" pitchFamily="50" charset="-128"/>
+                <a:cs typeface="Meiryo UI" panose="020B0604030504040204" pitchFamily="50" charset="-128"/>
+              </a:rPr>
+              <a:t>A</a:t>
+            </a:r>
+            <a:r>
+              <a:rPr lang="en-US" altLang="ja-JP" sz="4000" b="1" dirty="0">
+                <a:solidFill>
+                  <a:srgbClr val="C00000"/>
+                </a:solidFill>
+                <a:latin typeface="Meiryo UI" panose="020B0604030504040204" pitchFamily="50" charset="-128"/>
+                <a:ea typeface="Meiryo UI" panose="020B0604030504040204" pitchFamily="50" charset="-128"/>
+                <a:cs typeface="Meiryo UI" panose="020B0604030504040204" pitchFamily="50" charset="-128"/>
+              </a:rPr>
+              <a:t>nswer</a:t>
+            </a:r>
+            <a:endParaRPr kumimoji="1" lang="ja-JP" altLang="en-US" sz="4000" b="1" dirty="0">
+              <a:solidFill>
+                <a:srgbClr val="C00000"/>
+              </a:solidFill>
+              <a:latin typeface="Meiryo UI" panose="020B0604030504040204" pitchFamily="50" charset="-128"/>
+              <a:ea typeface="Meiryo UI" panose="020B0604030504040204" pitchFamily="50" charset="-128"/>
+              <a:cs typeface="Meiryo UI" panose="020B0604030504040204" pitchFamily="50" charset="-128"/>
+            </a:endParaRPr>
+          </a:p>
+        </p:txBody>
+      </p:sp>
+      <p:sp>
+        <p:nvSpPr>
+          <p:cNvPr id="7" name="スライド番号プレースホルダー 6">
+            <a:extLst>
+              <a:ext uri="{FF2B5EF4-FFF2-40B4-BE49-F238E27FC236}">
+                <a16:creationId xmlns:a16="http://schemas.microsoft.com/office/drawing/2014/main" id="{621EBE14-1F28-4FCA-B7FE-78AB3D60F96A}"/>
+              </a:ext>
+            </a:extLst>
+          </p:cNvPr>
+          <p:cNvSpPr>
+            <a:spLocks noGrp="1"/>
+          </p:cNvSpPr>
+          <p:nvPr>
+            <p:ph type="sldNum" sz="quarter" idx="12"/>
+          </p:nvPr>
+        </p:nvSpPr>
+        <p:spPr/>
+        <p:txBody>
+          <a:bodyPr/>
+          <a:lstStyle/>
+          <a:p>
+            <a:fld id="{CA73D1A0-EDAA-48A0-B59C-E1DC4E30C901}" type="slidenum">
+              <a:rPr lang="ja-JP" altLang="en-US" smtClean="0"/>
+              <a:pPr/>
+              <a:t>5</a:t>
+            </a:fld>
+            <a:endParaRPr lang="ja-JP" altLang="en-US"/>
+          </a:p>
+        </p:txBody>
+      </p:sp>
+    </p:spTree>
+    <p:extLst>
+      <p:ext uri="{BB962C8B-B14F-4D97-AF65-F5344CB8AC3E}">
+        <p14:creationId xmlns:p14="http://schemas.microsoft.com/office/powerpoint/2010/main" val="3337683733"/>
+      </p:ext>
+    </p:extLst>
+  </p:cSld>
+  <p:clrMapOvr>
+    <a:masterClrMapping/>
+  </p:clrMapOvr>
+</p:sld>
+</file>
+
+<file path=ppt/slides/slide7.xml><?xml version="1.0" encoding="utf-8"?>
 <p:sld xmlns:a="http://schemas.openxmlformats.org/drawingml/2006/main" xmlns:r="http://schemas.openxmlformats.org/officeDocument/2006/relationships" xmlns:p="http://schemas.openxmlformats.org/presentationml/2006/main">
   <p:cSld>
     <p:spTree>
@@ -33262,715 +33967,10 @@
       </p:sp>
       <p:sp>
         <p:nvSpPr>
-          <p:cNvPr id="23" name="スライド番号プレースホルダー 22">
+          <p:cNvPr id="7" name="スライド番号プレースホルダー 6">
             <a:extLst>
               <a:ext uri="{FF2B5EF4-FFF2-40B4-BE49-F238E27FC236}">
-                <a16:creationId xmlns:a16="http://schemas.microsoft.com/office/drawing/2014/main" id="{BE8EC56A-B0F4-47B9-9898-319F0FACCE57}"/>
-              </a:ext>
-            </a:extLst>
-          </p:cNvPr>
-          <p:cNvSpPr>
-            <a:spLocks noGrp="1"/>
-          </p:cNvSpPr>
-          <p:nvPr>
-            <p:ph type="sldNum" sz="quarter" idx="12"/>
-          </p:nvPr>
-        </p:nvSpPr>
-        <p:spPr/>
-        <p:txBody>
-          <a:bodyPr/>
-          <a:lstStyle/>
-          <a:p>
-            <a:fld id="{CA73D1A0-EDAA-48A0-B59C-E1DC4E30C901}" type="slidenum">
-              <a:rPr lang="ja-JP" altLang="en-US" smtClean="0"/>
-              <a:pPr/>
-              <a:t>5</a:t>
-            </a:fld>
-            <a:endParaRPr lang="ja-JP" altLang="en-US"/>
-          </a:p>
-        </p:txBody>
-      </p:sp>
-    </p:spTree>
-    <p:extLst>
-      <p:ext uri="{BB962C8B-B14F-4D97-AF65-F5344CB8AC3E}">
-        <p14:creationId xmlns:p14="http://schemas.microsoft.com/office/powerpoint/2010/main" val="1078524742"/>
-      </p:ext>
-    </p:extLst>
-  </p:cSld>
-  <p:clrMapOvr>
-    <a:masterClrMapping/>
-  </p:clrMapOvr>
-</p:sld>
-</file>
-
-<file path=ppt/slides/slide7.xml><?xml version="1.0" encoding="utf-8"?>
-<p:sld xmlns:a="http://schemas.openxmlformats.org/drawingml/2006/main" xmlns:r="http://schemas.openxmlformats.org/officeDocument/2006/relationships" xmlns:p="http://schemas.openxmlformats.org/presentationml/2006/main">
-  <p:cSld>
-    <p:spTree>
-      <p:nvGrpSpPr>
-        <p:cNvPr id="1" name=""/>
-        <p:cNvGrpSpPr/>
-        <p:nvPr/>
-      </p:nvGrpSpPr>
-      <p:grpSpPr>
-        <a:xfrm>
-          <a:off x="0" y="0"/>
-          <a:ext cx="0" cy="0"/>
-          <a:chOff x="0" y="0"/>
-          <a:chExt cx="0" cy="0"/>
-        </a:xfrm>
-      </p:grpSpPr>
-      <p:sp>
-        <p:nvSpPr>
-          <p:cNvPr id="6" name="正方形/長方形 5"/>
-          <p:cNvSpPr/>
-          <p:nvPr/>
-        </p:nvSpPr>
-        <p:spPr>
-          <a:xfrm>
-            <a:off x="467544" y="2683943"/>
-            <a:ext cx="8280920" cy="3625377"/>
-          </a:xfrm>
-          <a:prstGeom prst="rect">
-            <a:avLst/>
-          </a:prstGeom>
-          <a:solidFill>
-            <a:srgbClr val="FFFFCC"/>
-          </a:solidFill>
-          <a:ln>
-            <a:solidFill>
-              <a:srgbClr val="CC6600"/>
-            </a:solidFill>
-          </a:ln>
-        </p:spPr>
-        <p:style>
-          <a:lnRef idx="2">
-            <a:schemeClr val="accent1">
-              <a:shade val="50000"/>
-            </a:schemeClr>
-          </a:lnRef>
-          <a:fillRef idx="1">
-            <a:schemeClr val="accent1"/>
-          </a:fillRef>
-          <a:effectRef idx="0">
-            <a:schemeClr val="accent1"/>
-          </a:effectRef>
-          <a:fontRef idx="minor">
-            <a:schemeClr val="lt1"/>
-          </a:fontRef>
-        </p:style>
-        <p:txBody>
-          <a:bodyPr rtlCol="0" anchor="ctr"/>
-          <a:lstStyle/>
-          <a:p>
-            <a:pPr algn="ctr"/>
-            <a:endParaRPr kumimoji="1" lang="ja-JP" altLang="en-US">
-              <a:latin typeface="Meiryo UI" panose="020B0604030504040204" pitchFamily="50" charset="-128"/>
-              <a:ea typeface="Meiryo UI" panose="020B0604030504040204" pitchFamily="50" charset="-128"/>
-              <a:cs typeface="Meiryo UI" panose="020B0604030504040204" pitchFamily="50" charset="-128"/>
-            </a:endParaRPr>
-          </a:p>
-        </p:txBody>
-      </p:sp>
-      <p:sp>
-        <p:nvSpPr>
-          <p:cNvPr id="2" name="タイトル 1"/>
-          <p:cNvSpPr>
-            <a:spLocks noGrp="1"/>
-          </p:cNvSpPr>
-          <p:nvPr>
-            <p:ph type="title"/>
-          </p:nvPr>
-        </p:nvSpPr>
-        <p:spPr>
-          <a:xfrm>
-            <a:off x="395536" y="199366"/>
-            <a:ext cx="8424936" cy="637346"/>
-          </a:xfrm>
-          <a:ln>
-            <a:solidFill>
-              <a:schemeClr val="bg1">
-                <a:lumMod val="50000"/>
-              </a:schemeClr>
-            </a:solidFill>
-          </a:ln>
-        </p:spPr>
-        <p:txBody>
-          <a:bodyPr>
-            <a:noAutofit/>
-          </a:bodyPr>
-          <a:lstStyle/>
-          <a:p>
-            <a:r>
-              <a:rPr lang="en-US" altLang="ja-JP" sz="2800" dirty="0">
-                <a:latin typeface="Meiryo UI" panose="020B0604030504040204" pitchFamily="50" charset="-128"/>
-                <a:ea typeface="Meiryo UI" panose="020B0604030504040204" pitchFamily="50" charset="-128"/>
-                <a:cs typeface="Meiryo UI" panose="020B0604030504040204" pitchFamily="50" charset="-128"/>
-              </a:rPr>
-              <a:t>OSS</a:t>
-            </a:r>
-            <a:r>
-              <a:rPr lang="ja-JP" altLang="en-US" sz="2800" dirty="0">
-                <a:latin typeface="Meiryo UI" panose="020B0604030504040204" pitchFamily="50" charset="-128"/>
-                <a:ea typeface="Meiryo UI" panose="020B0604030504040204" pitchFamily="50" charset="-128"/>
-                <a:cs typeface="Meiryo UI" panose="020B0604030504040204" pitchFamily="50" charset="-128"/>
-              </a:rPr>
-              <a:t>の投稿では特許侵害になることはない？</a:t>
-            </a:r>
-            <a:endParaRPr kumimoji="1" lang="ja-JP" altLang="en-US" sz="2800" dirty="0">
-              <a:latin typeface="Meiryo UI" panose="020B0604030504040204" pitchFamily="50" charset="-128"/>
-              <a:ea typeface="Meiryo UI" panose="020B0604030504040204" pitchFamily="50" charset="-128"/>
-              <a:cs typeface="Meiryo UI" panose="020B0604030504040204" pitchFamily="50" charset="-128"/>
-            </a:endParaRPr>
-          </a:p>
-        </p:txBody>
-      </p:sp>
-      <p:sp>
-        <p:nvSpPr>
-          <p:cNvPr id="10" name="コンテンツ プレースホルダー 9"/>
-          <p:cNvSpPr>
-            <a:spLocks noGrp="1"/>
-          </p:cNvSpPr>
-          <p:nvPr>
-            <p:ph idx="1"/>
-          </p:nvPr>
-        </p:nvSpPr>
-        <p:spPr>
-          <a:xfrm>
-            <a:off x="457200" y="3666738"/>
-            <a:ext cx="8291264" cy="2642581"/>
-          </a:xfrm>
-        </p:spPr>
-        <p:txBody>
-          <a:bodyPr>
-            <a:noAutofit/>
-          </a:bodyPr>
-          <a:lstStyle/>
-          <a:p>
-            <a:pPr fontAlgn="base">
-              <a:lnSpc>
-                <a:spcPts val="3000"/>
-              </a:lnSpc>
-              <a:spcBef>
-                <a:spcPts val="0"/>
-              </a:spcBef>
-              <a:buFont typeface="Wingdings" panose="05000000000000000000" pitchFamily="2" charset="2"/>
-              <a:buChar char="u"/>
-            </a:pPr>
-            <a:r>
-              <a:rPr lang="ja-JP" altLang="en-US" sz="2000" dirty="0">
-                <a:latin typeface="Meiryo UI" panose="020B0604030504040204" pitchFamily="50" charset="-128"/>
-                <a:ea typeface="Meiryo UI" panose="020B0604030504040204" pitchFamily="50" charset="-128"/>
-                <a:cs typeface="Meiryo UI" panose="020B0604030504040204" pitchFamily="50" charset="-128"/>
-              </a:rPr>
-              <a:t>日本の特許法では、特許権者の許諾なく、特許を含む物を業として生産、使用、譲渡等、輸出もしくは輸入または譲渡等の申出する行為はできません。</a:t>
-            </a:r>
-            <a:endParaRPr lang="en-US" altLang="ja-JP" sz="2000" dirty="0">
-              <a:latin typeface="Meiryo UI" panose="020B0604030504040204" pitchFamily="50" charset="-128"/>
-              <a:ea typeface="Meiryo UI" panose="020B0604030504040204" pitchFamily="50" charset="-128"/>
-              <a:cs typeface="Meiryo UI" panose="020B0604030504040204" pitchFamily="50" charset="-128"/>
-            </a:endParaRPr>
-          </a:p>
-          <a:p>
-            <a:pPr fontAlgn="base">
-              <a:lnSpc>
-                <a:spcPts val="3000"/>
-              </a:lnSpc>
-              <a:spcBef>
-                <a:spcPts val="0"/>
-              </a:spcBef>
-              <a:buFont typeface="Wingdings" panose="05000000000000000000" pitchFamily="2" charset="2"/>
-              <a:buChar char="u"/>
-            </a:pPr>
-            <a:r>
-              <a:rPr lang="ja-JP" altLang="en-US" sz="2000" dirty="0">
-                <a:latin typeface="Meiryo UI" panose="020B0604030504040204" pitchFamily="50" charset="-128"/>
-                <a:ea typeface="Meiryo UI" panose="020B0604030504040204" pitchFamily="50" charset="-128"/>
-                <a:cs typeface="Meiryo UI" panose="020B0604030504040204" pitchFamily="50" charset="-128"/>
-              </a:rPr>
-              <a:t>したがって、投稿したプログラムに、特許権者の許諾を得ていない特許が含まれていた場合、収益を得ていなかったとしても、特許侵害になります。</a:t>
-            </a:r>
-            <a:endParaRPr lang="en-US" altLang="ja-JP" sz="2000" dirty="0">
-              <a:latin typeface="Meiryo UI" panose="020B0604030504040204" pitchFamily="50" charset="-128"/>
-              <a:ea typeface="Meiryo UI" panose="020B0604030504040204" pitchFamily="50" charset="-128"/>
-              <a:cs typeface="Meiryo UI" panose="020B0604030504040204" pitchFamily="50" charset="-128"/>
-            </a:endParaRPr>
-          </a:p>
-          <a:p>
-            <a:pPr marL="0" indent="0" fontAlgn="base">
-              <a:lnSpc>
-                <a:spcPts val="3000"/>
-              </a:lnSpc>
-              <a:spcBef>
-                <a:spcPts val="0"/>
-              </a:spcBef>
-              <a:buNone/>
-            </a:pPr>
-            <a:endParaRPr lang="en-US" altLang="ja-JP" sz="2000" dirty="0">
-              <a:latin typeface="Meiryo UI" panose="020B0604030504040204" pitchFamily="50" charset="-128"/>
-              <a:ea typeface="Meiryo UI" panose="020B0604030504040204" pitchFamily="50" charset="-128"/>
-              <a:cs typeface="Meiryo UI" panose="020B0604030504040204" pitchFamily="50" charset="-128"/>
-            </a:endParaRPr>
-          </a:p>
-          <a:p>
-            <a:pPr marL="0" indent="0" fontAlgn="base">
-              <a:lnSpc>
-                <a:spcPts val="3000"/>
-              </a:lnSpc>
-              <a:spcBef>
-                <a:spcPts val="0"/>
-              </a:spcBef>
-              <a:buNone/>
-            </a:pPr>
-            <a:r>
-              <a:rPr lang="ja-JP" altLang="en-US" sz="2000" dirty="0">
-                <a:latin typeface="Meiryo UI" panose="020B0604030504040204" pitchFamily="50" charset="-128"/>
-                <a:ea typeface="Meiryo UI" panose="020B0604030504040204" pitchFamily="50" charset="-128"/>
-                <a:cs typeface="Meiryo UI" panose="020B0604030504040204" pitchFamily="50" charset="-128"/>
-              </a:rPr>
-              <a:t>　</a:t>
-            </a:r>
-            <a:r>
-              <a:rPr lang="en-US" altLang="ja-JP" sz="2000" dirty="0">
-                <a:latin typeface="Meiryo UI" panose="020B0604030504040204" pitchFamily="50" charset="-128"/>
-                <a:ea typeface="Meiryo UI" panose="020B0604030504040204" pitchFamily="50" charset="-128"/>
-                <a:cs typeface="Meiryo UI" panose="020B0604030504040204" pitchFamily="50" charset="-128"/>
-              </a:rPr>
-              <a:t>【</a:t>
-            </a:r>
-            <a:r>
-              <a:rPr lang="ja-JP" altLang="en-US" sz="2000" dirty="0">
-                <a:latin typeface="Meiryo UI" panose="020B0604030504040204" pitchFamily="50" charset="-128"/>
-                <a:ea typeface="Meiryo UI" panose="020B0604030504040204" pitchFamily="50" charset="-128"/>
-                <a:cs typeface="Meiryo UI" panose="020B0604030504040204" pitchFamily="50" charset="-128"/>
-              </a:rPr>
-              <a:t>関連条項</a:t>
-            </a:r>
-            <a:r>
-              <a:rPr lang="en-US" altLang="ja-JP" sz="2000" dirty="0">
-                <a:latin typeface="Meiryo UI" panose="020B0604030504040204" pitchFamily="50" charset="-128"/>
-                <a:ea typeface="Meiryo UI" panose="020B0604030504040204" pitchFamily="50" charset="-128"/>
-                <a:cs typeface="Meiryo UI" panose="020B0604030504040204" pitchFamily="50" charset="-128"/>
-              </a:rPr>
-              <a:t>】</a:t>
-            </a:r>
-            <a:r>
-              <a:rPr lang="ja-JP" altLang="en-US" sz="2000" dirty="0">
-                <a:latin typeface="Meiryo UI" panose="020B0604030504040204" pitchFamily="50" charset="-128"/>
-                <a:ea typeface="Meiryo UI" panose="020B0604030504040204" pitchFamily="50" charset="-128"/>
-                <a:cs typeface="Meiryo UI" panose="020B0604030504040204" pitchFamily="50" charset="-128"/>
-              </a:rPr>
-              <a:t>特許法（</a:t>
-            </a:r>
-            <a:r>
-              <a:rPr lang="ja-JP" altLang="en-US" sz="2000" dirty="0">
-                <a:latin typeface="Meiryo UI" panose="020B0604030504040204" pitchFamily="50" charset="-128"/>
-                <a:ea typeface="Meiryo UI" panose="020B0604030504040204" pitchFamily="50" charset="-128"/>
-                <a:cs typeface="Meiryo UI" panose="020B0604030504040204" pitchFamily="50" charset="-128"/>
-                <a:hlinkClick r:id="rId3"/>
-              </a:rPr>
-              <a:t>第二条</a:t>
-            </a:r>
-            <a:r>
-              <a:rPr lang="en-US" altLang="ja-JP" sz="2000" dirty="0">
-                <a:latin typeface="Meiryo UI" panose="020B0604030504040204" pitchFamily="50" charset="-128"/>
-                <a:ea typeface="Meiryo UI" panose="020B0604030504040204" pitchFamily="50" charset="-128"/>
-                <a:cs typeface="Meiryo UI" panose="020B0604030504040204" pitchFamily="50" charset="-128"/>
-                <a:hlinkClick r:id="rId3"/>
-              </a:rPr>
-              <a:t>3</a:t>
-            </a:r>
-            <a:r>
-              <a:rPr lang="ja-JP" altLang="en-US" sz="2000" dirty="0">
-                <a:latin typeface="Meiryo UI" panose="020B0604030504040204" pitchFamily="50" charset="-128"/>
-                <a:ea typeface="Meiryo UI" panose="020B0604030504040204" pitchFamily="50" charset="-128"/>
-                <a:cs typeface="Meiryo UI" panose="020B0604030504040204" pitchFamily="50" charset="-128"/>
-                <a:hlinkClick r:id="rId3"/>
-              </a:rPr>
-              <a:t>項</a:t>
-            </a:r>
-            <a:r>
-              <a:rPr lang="ja-JP" altLang="en-US" sz="2000" dirty="0">
-                <a:latin typeface="Meiryo UI" panose="020B0604030504040204" pitchFamily="50" charset="-128"/>
-                <a:ea typeface="Meiryo UI" panose="020B0604030504040204" pitchFamily="50" charset="-128"/>
-                <a:cs typeface="Meiryo UI" panose="020B0604030504040204" pitchFamily="50" charset="-128"/>
-              </a:rPr>
-              <a:t>：「実施」とは）</a:t>
-            </a:r>
-            <a:endParaRPr lang="en-US" altLang="ja-JP" sz="2000" dirty="0">
-              <a:latin typeface="Meiryo UI" panose="020B0604030504040204" pitchFamily="50" charset="-128"/>
-              <a:ea typeface="Meiryo UI" panose="020B0604030504040204" pitchFamily="50" charset="-128"/>
-              <a:cs typeface="Meiryo UI" panose="020B0604030504040204" pitchFamily="50" charset="-128"/>
-            </a:endParaRPr>
-          </a:p>
-        </p:txBody>
-      </p:sp>
-      <p:sp>
-        <p:nvSpPr>
-          <p:cNvPr id="4" name="角丸四角形 3"/>
-          <p:cNvSpPr/>
-          <p:nvPr/>
-        </p:nvSpPr>
-        <p:spPr>
-          <a:xfrm>
-            <a:off x="467544" y="1340768"/>
-            <a:ext cx="8280920" cy="1296144"/>
-          </a:xfrm>
-          <a:prstGeom prst="roundRect">
-            <a:avLst/>
-          </a:prstGeom>
-          <a:solidFill>
-            <a:schemeClr val="accent1">
-              <a:lumMod val="20000"/>
-              <a:lumOff val="80000"/>
-            </a:schemeClr>
-          </a:solidFill>
-        </p:spPr>
-        <p:style>
-          <a:lnRef idx="2">
-            <a:schemeClr val="accent1">
-              <a:shade val="50000"/>
-            </a:schemeClr>
-          </a:lnRef>
-          <a:fillRef idx="1">
-            <a:schemeClr val="accent1"/>
-          </a:fillRef>
-          <a:effectRef idx="0">
-            <a:schemeClr val="accent1"/>
-          </a:effectRef>
-          <a:fontRef idx="minor">
-            <a:schemeClr val="lt1"/>
-          </a:fontRef>
-        </p:style>
-        <p:txBody>
-          <a:bodyPr rtlCol="0" anchor="ctr"/>
-          <a:lstStyle/>
-          <a:p>
-            <a:pPr fontAlgn="ctr">
-              <a:lnSpc>
-                <a:spcPts val="3000"/>
-              </a:lnSpc>
-              <a:spcBef>
-                <a:spcPct val="0"/>
-              </a:spcBef>
-              <a:spcAft>
-                <a:spcPct val="0"/>
-              </a:spcAft>
-            </a:pPr>
-            <a:r>
-              <a:rPr lang="ja-JP" altLang="en-US" sz="2000" dirty="0">
-                <a:solidFill>
-                  <a:schemeClr val="tx1"/>
-                </a:solidFill>
-                <a:latin typeface="Meiryo UI" panose="020B0604030504040204" pitchFamily="50" charset="-128"/>
-                <a:ea typeface="Meiryo UI" panose="020B0604030504040204" pitchFamily="50" charset="-128"/>
-              </a:rPr>
-              <a:t>　企業の開発者が、無償の</a:t>
-            </a:r>
-            <a:r>
-              <a:rPr lang="en-US" altLang="ja-JP" sz="2000" dirty="0">
-                <a:solidFill>
-                  <a:schemeClr val="tx1"/>
-                </a:solidFill>
-                <a:latin typeface="Meiryo UI" panose="020B0604030504040204" pitchFamily="50" charset="-128"/>
-                <a:ea typeface="Meiryo UI" panose="020B0604030504040204" pitchFamily="50" charset="-128"/>
-              </a:rPr>
-              <a:t>OSS</a:t>
-            </a:r>
-            <a:r>
-              <a:rPr lang="ja-JP" altLang="en-US" sz="2000" dirty="0">
-                <a:solidFill>
-                  <a:schemeClr val="tx1"/>
-                </a:solidFill>
-                <a:latin typeface="Meiryo UI" panose="020B0604030504040204" pitchFamily="50" charset="-128"/>
-                <a:ea typeface="Meiryo UI" panose="020B0604030504040204" pitchFamily="50" charset="-128"/>
-              </a:rPr>
-              <a:t>として公開するために、</a:t>
-            </a:r>
-            <a:r>
-              <a:rPr lang="en-US" altLang="ja-JP" sz="2000" dirty="0">
-                <a:solidFill>
-                  <a:schemeClr val="tx1"/>
-                </a:solidFill>
-                <a:latin typeface="Meiryo UI" panose="020B0604030504040204" pitchFamily="50" charset="-128"/>
-                <a:ea typeface="Meiryo UI" panose="020B0604030504040204" pitchFamily="50" charset="-128"/>
-              </a:rPr>
-              <a:t>GitHub</a:t>
-            </a:r>
-            <a:r>
-              <a:rPr lang="ja-JP" altLang="en-US" sz="2000" dirty="0">
-                <a:solidFill>
-                  <a:schemeClr val="tx1"/>
-                </a:solidFill>
-                <a:latin typeface="Meiryo UI" panose="020B0604030504040204" pitchFamily="50" charset="-128"/>
-                <a:ea typeface="Meiryo UI" panose="020B0604030504040204" pitchFamily="50" charset="-128"/>
-              </a:rPr>
-              <a:t>等にプログラムを投稿した場合、特に収益を得ているわけではないので、特許侵害になることはないですか</a:t>
-            </a:r>
-            <a:r>
-              <a:rPr lang="ja-JP" altLang="en-US" sz="2000" dirty="0">
-                <a:solidFill>
-                  <a:schemeClr val="tx1"/>
-                </a:solidFill>
-                <a:latin typeface="Meiryo UI" panose="020B0604030504040204" pitchFamily="50" charset="-128"/>
-                <a:ea typeface="Meiryo UI" panose="020B0604030504040204" pitchFamily="50" charset="-128"/>
-                <a:cs typeface="Meiryo UI" panose="020B0604030504040204" pitchFamily="50" charset="-128"/>
-              </a:rPr>
-              <a:t>？</a:t>
-            </a:r>
-          </a:p>
-        </p:txBody>
-      </p:sp>
-      <p:sp>
-        <p:nvSpPr>
-          <p:cNvPr id="9" name="テキスト ボックス 8"/>
-          <p:cNvSpPr txBox="1"/>
-          <p:nvPr/>
-        </p:nvSpPr>
-        <p:spPr>
-          <a:xfrm>
-            <a:off x="3131840" y="2850267"/>
-            <a:ext cx="3744416" cy="769441"/>
-          </a:xfrm>
-          <a:prstGeom prst="rect">
-            <a:avLst/>
-          </a:prstGeom>
-          <a:noFill/>
-        </p:spPr>
-        <p:txBody>
-          <a:bodyPr wrap="square" rtlCol="0">
-            <a:spAutoFit/>
-          </a:bodyPr>
-          <a:lstStyle/>
-          <a:p>
-            <a:r>
-              <a:rPr kumimoji="1" lang="ja-JP" altLang="en-US" sz="4400" b="1" dirty="0">
-                <a:solidFill>
-                  <a:srgbClr val="C00000"/>
-                </a:solidFill>
-                <a:latin typeface="Meiryo UI" panose="020B0604030504040204" pitchFamily="50" charset="-128"/>
-                <a:ea typeface="Meiryo UI" panose="020B0604030504040204" pitchFamily="50" charset="-128"/>
-                <a:cs typeface="Meiryo UI" panose="020B0604030504040204" pitchFamily="50" charset="-128"/>
-              </a:rPr>
-              <a:t>いいえ</a:t>
-            </a:r>
-          </a:p>
-        </p:txBody>
-      </p:sp>
-      <p:sp>
-        <p:nvSpPr>
-          <p:cNvPr id="3" name="フッター プレースホルダー 2"/>
-          <p:cNvSpPr>
-            <a:spLocks noGrp="1"/>
-          </p:cNvSpPr>
-          <p:nvPr>
-            <p:ph type="ftr" sz="quarter" idx="11"/>
-          </p:nvPr>
-        </p:nvSpPr>
-        <p:spPr/>
-        <p:txBody>
-          <a:bodyPr/>
-          <a:lstStyle/>
-          <a:p>
-            <a:r>
-              <a:rPr kumimoji="1" lang="en-US" altLang="ja-JP"/>
-              <a:t>CC0-1.0</a:t>
-            </a:r>
-            <a:r>
-              <a:rPr kumimoji="1" lang="ja-JP" altLang="en-US"/>
-              <a:t>（パブリックドメイン）</a:t>
-            </a:r>
-            <a:endParaRPr kumimoji="1" lang="ja-JP" altLang="en-US" dirty="0"/>
-          </a:p>
-        </p:txBody>
-      </p:sp>
-      <p:sp>
-        <p:nvSpPr>
-          <p:cNvPr id="11" name="テキスト ボックス 10">
-            <a:extLst>
-              <a:ext uri="{FF2B5EF4-FFF2-40B4-BE49-F238E27FC236}">
-                <a16:creationId xmlns:a16="http://schemas.microsoft.com/office/drawing/2014/main" id="{1F3C87A8-C9D5-403A-9141-1BF329374B2F}"/>
-              </a:ext>
-            </a:extLst>
-          </p:cNvPr>
-          <p:cNvSpPr txBox="1"/>
-          <p:nvPr/>
-        </p:nvSpPr>
-        <p:spPr>
-          <a:xfrm>
-            <a:off x="418320" y="6309320"/>
-            <a:ext cx="1457450" cy="276999"/>
-          </a:xfrm>
-          <a:prstGeom prst="rect">
-            <a:avLst/>
-          </a:prstGeom>
-          <a:noFill/>
-        </p:spPr>
-        <p:txBody>
-          <a:bodyPr wrap="none" rtlCol="0">
-            <a:spAutoFit/>
-          </a:bodyPr>
-          <a:lstStyle/>
-          <a:p>
-            <a:r>
-              <a:rPr kumimoji="1" lang="en-US" altLang="ja-JP" sz="1200" dirty="0">
-                <a:latin typeface="Meiryo UI" panose="020B0604030504040204" pitchFamily="50" charset="-128"/>
-                <a:ea typeface="Meiryo UI" panose="020B0604030504040204" pitchFamily="50" charset="-128"/>
-              </a:rPr>
-              <a:t>#</a:t>
-            </a:r>
-            <a:r>
-              <a:rPr kumimoji="1" lang="ja-JP" altLang="en-US" sz="1200" dirty="0">
-                <a:latin typeface="Meiryo UI" panose="020B0604030504040204" pitchFamily="50" charset="-128"/>
-                <a:ea typeface="Meiryo UI" panose="020B0604030504040204" pitchFamily="50" charset="-128"/>
-              </a:rPr>
-              <a:t>投稿　</a:t>
-            </a:r>
-            <a:r>
-              <a:rPr kumimoji="1" lang="en-US" altLang="ja-JP" sz="1200" dirty="0">
-                <a:latin typeface="Meiryo UI" panose="020B0604030504040204" pitchFamily="50" charset="-128"/>
-                <a:ea typeface="Meiryo UI" panose="020B0604030504040204" pitchFamily="50" charset="-128"/>
-              </a:rPr>
-              <a:t>#</a:t>
-            </a:r>
-            <a:r>
-              <a:rPr kumimoji="1" lang="ja-JP" altLang="en-US" sz="1200" dirty="0">
-                <a:latin typeface="Meiryo UI" panose="020B0604030504040204" pitchFamily="50" charset="-128"/>
-                <a:ea typeface="Meiryo UI" panose="020B0604030504040204" pitchFamily="50" charset="-128"/>
-              </a:rPr>
-              <a:t>特許侵害</a:t>
-            </a:r>
-          </a:p>
-        </p:txBody>
-      </p:sp>
-      <p:sp>
-        <p:nvSpPr>
-          <p:cNvPr id="12" name="テキスト ボックス 11">
-            <a:extLst>
-              <a:ext uri="{FF2B5EF4-FFF2-40B4-BE49-F238E27FC236}">
-                <a16:creationId xmlns:a16="http://schemas.microsoft.com/office/drawing/2014/main" id="{24F0EDEF-029D-495E-A67A-C555ABF10C90}"/>
-              </a:ext>
-            </a:extLst>
-          </p:cNvPr>
-          <p:cNvSpPr txBox="1"/>
-          <p:nvPr/>
-        </p:nvSpPr>
-        <p:spPr>
-          <a:xfrm>
-            <a:off x="113828" y="476672"/>
-            <a:ext cx="2808782" cy="1015663"/>
-          </a:xfrm>
-          <a:prstGeom prst="rect">
-            <a:avLst/>
-          </a:prstGeom>
-          <a:noFill/>
-        </p:spPr>
-        <p:txBody>
-          <a:bodyPr wrap="none" rtlCol="0">
-            <a:spAutoFit/>
-          </a:bodyPr>
-          <a:lstStyle/>
-          <a:p>
-            <a:r>
-              <a:rPr lang="en-US" altLang="ja-JP" sz="6000" b="1" dirty="0">
-                <a:solidFill>
-                  <a:srgbClr val="C00000"/>
-                </a:solidFill>
-                <a:latin typeface="Meiryo UI" panose="020B0604030504040204" pitchFamily="50" charset="-128"/>
-                <a:ea typeface="Meiryo UI" panose="020B0604030504040204" pitchFamily="50" charset="-128"/>
-                <a:cs typeface="Meiryo UI" panose="020B0604030504040204" pitchFamily="50" charset="-128"/>
-              </a:rPr>
-              <a:t>Q</a:t>
-            </a:r>
-            <a:r>
-              <a:rPr lang="en-US" altLang="ja-JP" sz="4000" b="1" dirty="0">
-                <a:solidFill>
-                  <a:srgbClr val="C00000"/>
-                </a:solidFill>
-                <a:latin typeface="Meiryo UI" panose="020B0604030504040204" pitchFamily="50" charset="-128"/>
-                <a:ea typeface="Meiryo UI" panose="020B0604030504040204" pitchFamily="50" charset="-128"/>
-                <a:cs typeface="Meiryo UI" panose="020B0604030504040204" pitchFamily="50" charset="-128"/>
-              </a:rPr>
-              <a:t>uestion</a:t>
-            </a:r>
-            <a:endParaRPr kumimoji="1" lang="ja-JP" altLang="en-US" sz="4000" b="1" dirty="0">
-              <a:solidFill>
-                <a:srgbClr val="C00000"/>
-              </a:solidFill>
-              <a:latin typeface="Meiryo UI" panose="020B0604030504040204" pitchFamily="50" charset="-128"/>
-              <a:ea typeface="Meiryo UI" panose="020B0604030504040204" pitchFamily="50" charset="-128"/>
-              <a:cs typeface="Meiryo UI" panose="020B0604030504040204" pitchFamily="50" charset="-128"/>
-            </a:endParaRPr>
-          </a:p>
-        </p:txBody>
-      </p:sp>
-      <p:sp>
-        <p:nvSpPr>
-          <p:cNvPr id="13" name="テキスト ボックス 12">
-            <a:extLst>
-              <a:ext uri="{FF2B5EF4-FFF2-40B4-BE49-F238E27FC236}">
-                <a16:creationId xmlns:a16="http://schemas.microsoft.com/office/drawing/2014/main" id="{781F96EC-E865-43D7-B9AA-97413AD2BCE2}"/>
-              </a:ext>
-            </a:extLst>
-          </p:cNvPr>
-          <p:cNvSpPr txBox="1"/>
-          <p:nvPr/>
-        </p:nvSpPr>
-        <p:spPr>
-          <a:xfrm>
-            <a:off x="403920" y="2420888"/>
-            <a:ext cx="2401619" cy="1015663"/>
-          </a:xfrm>
-          <a:prstGeom prst="rect">
-            <a:avLst/>
-          </a:prstGeom>
-          <a:noFill/>
-        </p:spPr>
-        <p:txBody>
-          <a:bodyPr wrap="none" rtlCol="0">
-            <a:spAutoFit/>
-          </a:bodyPr>
-          <a:lstStyle/>
-          <a:p>
-            <a:r>
-              <a:rPr lang="en-US" altLang="ja-JP" sz="6000" b="1" dirty="0">
-                <a:solidFill>
-                  <a:srgbClr val="C00000"/>
-                </a:solidFill>
-                <a:latin typeface="Meiryo UI" panose="020B0604030504040204" pitchFamily="50" charset="-128"/>
-                <a:ea typeface="Meiryo UI" panose="020B0604030504040204" pitchFamily="50" charset="-128"/>
-                <a:cs typeface="Meiryo UI" panose="020B0604030504040204" pitchFamily="50" charset="-128"/>
-              </a:rPr>
-              <a:t>A</a:t>
-            </a:r>
-            <a:r>
-              <a:rPr lang="en-US" altLang="ja-JP" sz="4000" b="1" dirty="0">
-                <a:solidFill>
-                  <a:srgbClr val="C00000"/>
-                </a:solidFill>
-                <a:latin typeface="Meiryo UI" panose="020B0604030504040204" pitchFamily="50" charset="-128"/>
-                <a:ea typeface="Meiryo UI" panose="020B0604030504040204" pitchFamily="50" charset="-128"/>
-                <a:cs typeface="Meiryo UI" panose="020B0604030504040204" pitchFamily="50" charset="-128"/>
-              </a:rPr>
-              <a:t>nswer</a:t>
-            </a:r>
-            <a:endParaRPr kumimoji="1" lang="ja-JP" altLang="en-US" sz="4000" b="1" dirty="0">
-              <a:solidFill>
-                <a:srgbClr val="C00000"/>
-              </a:solidFill>
-              <a:latin typeface="Meiryo UI" panose="020B0604030504040204" pitchFamily="50" charset="-128"/>
-              <a:ea typeface="Meiryo UI" panose="020B0604030504040204" pitchFamily="50" charset="-128"/>
-              <a:cs typeface="Meiryo UI" panose="020B0604030504040204" pitchFamily="50" charset="-128"/>
-            </a:endParaRPr>
-          </a:p>
-        </p:txBody>
-      </p:sp>
-      <p:sp>
-        <p:nvSpPr>
-          <p:cNvPr id="23" name="スライド番号プレースホルダー 22">
-            <a:extLst>
-              <a:ext uri="{FF2B5EF4-FFF2-40B4-BE49-F238E27FC236}">
-                <a16:creationId xmlns:a16="http://schemas.microsoft.com/office/drawing/2014/main" id="{5FC33070-03FA-4A4D-99F9-C7C9A4B4B8F4}"/>
+                <a16:creationId xmlns:a16="http://schemas.microsoft.com/office/drawing/2014/main" id="{6285D641-883F-446D-84DD-2262D0B5B737}"/>
               </a:ext>
             </a:extLst>
           </p:cNvPr>
@@ -33998,7 +33998,7 @@
     </p:spTree>
     <p:extLst>
       <p:ext uri="{BB962C8B-B14F-4D97-AF65-F5344CB8AC3E}">
-        <p14:creationId xmlns:p14="http://schemas.microsoft.com/office/powerpoint/2010/main" val="3337683733"/>
+        <p14:creationId xmlns:p14="http://schemas.microsoft.com/office/powerpoint/2010/main" val="1078524742"/>
       </p:ext>
     </p:extLst>
   </p:cSld>
@@ -34680,10 +34680,10 @@
       </p:sp>
       <p:sp>
         <p:nvSpPr>
-          <p:cNvPr id="23" name="スライド番号プレースホルダー 22">
+          <p:cNvPr id="7" name="スライド番号プレースホルダー 6">
             <a:extLst>
               <a:ext uri="{FF2B5EF4-FFF2-40B4-BE49-F238E27FC236}">
-                <a16:creationId xmlns:a16="http://schemas.microsoft.com/office/drawing/2014/main" id="{133B067C-1AF7-4408-A6E0-9B9BD8A1C1B1}"/>
+                <a16:creationId xmlns:a16="http://schemas.microsoft.com/office/drawing/2014/main" id="{D868AA96-4173-44DC-BECE-791C2259E2FB}"/>
               </a:ext>
             </a:extLst>
           </p:cNvPr>
@@ -35309,10 +35309,10 @@
       </p:sp>
       <p:sp>
         <p:nvSpPr>
-          <p:cNvPr id="23" name="スライド番号プレースホルダー 22">
+          <p:cNvPr id="7" name="スライド番号プレースホルダー 6">
             <a:extLst>
               <a:ext uri="{FF2B5EF4-FFF2-40B4-BE49-F238E27FC236}">
-                <a16:creationId xmlns:a16="http://schemas.microsoft.com/office/drawing/2014/main" id="{E5C68CCD-7275-4EA9-9EF1-DE8A2F11F5A2}"/>
+                <a16:creationId xmlns:a16="http://schemas.microsoft.com/office/drawing/2014/main" id="{205951B7-B8AF-4FDA-B783-A7FE47AEAFCA}"/>
               </a:ext>
             </a:extLst>
           </p:cNvPr>

--- a/Education_Material/FAQ/OSSライセンス関連でよくある誤解_CC0.pptx
+++ b/Education_Material/FAQ/OSSライセンス関連でよくある誤解_CC0.pptx
@@ -10707,10 +10707,10 @@
       </p:sp>
       <p:sp>
         <p:nvSpPr>
-          <p:cNvPr id="14" name="スライド番号プレースホルダー 13">
+          <p:cNvPr id="15" name="スライド番号プレースホルダー 14">
             <a:extLst>
               <a:ext uri="{FF2B5EF4-FFF2-40B4-BE49-F238E27FC236}">
-                <a16:creationId xmlns:a16="http://schemas.microsoft.com/office/drawing/2014/main" id="{706D6F0E-9224-40EF-85E2-FC528E33E26D}"/>
+                <a16:creationId xmlns:a16="http://schemas.microsoft.com/office/drawing/2014/main" id="{9E3B3BC4-56C1-4FF3-BB96-8FD2AADEF9A3}"/>
               </a:ext>
             </a:extLst>
           </p:cNvPr>
@@ -11420,10 +11420,10 @@
       </p:sp>
       <p:sp>
         <p:nvSpPr>
-          <p:cNvPr id="14" name="スライド番号プレースホルダー 13">
+          <p:cNvPr id="15" name="スライド番号プレースホルダー 14">
             <a:extLst>
               <a:ext uri="{FF2B5EF4-FFF2-40B4-BE49-F238E27FC236}">
-                <a16:creationId xmlns:a16="http://schemas.microsoft.com/office/drawing/2014/main" id="{0D7CBAF6-CE03-4DBD-95E6-46836EED5A62}"/>
+                <a16:creationId xmlns:a16="http://schemas.microsoft.com/office/drawing/2014/main" id="{834CBDA1-7EA8-4612-8E23-DA3AAC9823B7}"/>
               </a:ext>
             </a:extLst>
           </p:cNvPr>
@@ -12049,10 +12049,10 @@
       </p:sp>
       <p:sp>
         <p:nvSpPr>
-          <p:cNvPr id="14" name="スライド番号プレースホルダー 13">
+          <p:cNvPr id="15" name="スライド番号プレースホルダー 14">
             <a:extLst>
               <a:ext uri="{FF2B5EF4-FFF2-40B4-BE49-F238E27FC236}">
-                <a16:creationId xmlns:a16="http://schemas.microsoft.com/office/drawing/2014/main" id="{922C9E3C-D041-4248-AEAD-BB19E4D52662}"/>
+                <a16:creationId xmlns:a16="http://schemas.microsoft.com/office/drawing/2014/main" id="{795B8FB0-0F18-463B-8EE2-9084FD5709EC}"/>
               </a:ext>
             </a:extLst>
           </p:cNvPr>
@@ -12709,10 +12709,10 @@
       </p:sp>
       <p:sp>
         <p:nvSpPr>
-          <p:cNvPr id="9" name="スライド番号プレースホルダー 8">
+          <p:cNvPr id="14" name="スライド番号プレースホルダー 13">
             <a:extLst>
               <a:ext uri="{FF2B5EF4-FFF2-40B4-BE49-F238E27FC236}">
-                <a16:creationId xmlns:a16="http://schemas.microsoft.com/office/drawing/2014/main" id="{B6CE76CD-9B19-41D7-AF11-D3FDE5CC15B3}"/>
+                <a16:creationId xmlns:a16="http://schemas.microsoft.com/office/drawing/2014/main" id="{5DA6C5AB-8CE4-4625-9FF0-2F90264D5578}"/>
               </a:ext>
             </a:extLst>
           </p:cNvPr>
@@ -13373,10 +13373,10 @@
       </p:sp>
       <p:sp>
         <p:nvSpPr>
-          <p:cNvPr id="14" name="スライド番号プレースホルダー 13">
+          <p:cNvPr id="15" name="スライド番号プレースホルダー 14">
             <a:extLst>
               <a:ext uri="{FF2B5EF4-FFF2-40B4-BE49-F238E27FC236}">
-                <a16:creationId xmlns:a16="http://schemas.microsoft.com/office/drawing/2014/main" id="{BF515A00-DF74-4537-AB69-7DE5AC923116}"/>
+                <a16:creationId xmlns:a16="http://schemas.microsoft.com/office/drawing/2014/main" id="{534522D2-5520-48FA-85C4-85F9E56662A1}"/>
               </a:ext>
             </a:extLst>
           </p:cNvPr>
@@ -14003,10 +14003,10 @@
       </p:sp>
       <p:sp>
         <p:nvSpPr>
-          <p:cNvPr id="14" name="スライド番号プレースホルダー 13">
+          <p:cNvPr id="15" name="スライド番号プレースホルダー 14">
             <a:extLst>
               <a:ext uri="{FF2B5EF4-FFF2-40B4-BE49-F238E27FC236}">
-                <a16:creationId xmlns:a16="http://schemas.microsoft.com/office/drawing/2014/main" id="{0DC244BA-9960-4881-8D89-0730A1B2F4B3}"/>
+                <a16:creationId xmlns:a16="http://schemas.microsoft.com/office/drawing/2014/main" id="{326791DD-A08C-428B-9DD7-5E83A54DEAC0}"/>
               </a:ext>
             </a:extLst>
           </p:cNvPr>
@@ -14625,10 +14625,10 @@
       </p:sp>
       <p:sp>
         <p:nvSpPr>
-          <p:cNvPr id="14" name="スライド番号プレースホルダー 13">
+          <p:cNvPr id="15" name="スライド番号プレースホルダー 14">
             <a:extLst>
               <a:ext uri="{FF2B5EF4-FFF2-40B4-BE49-F238E27FC236}">
-                <a16:creationId xmlns:a16="http://schemas.microsoft.com/office/drawing/2014/main" id="{2182239A-2F58-4E06-A82A-63FBB649912A}"/>
+                <a16:creationId xmlns:a16="http://schemas.microsoft.com/office/drawing/2014/main" id="{C6BE169C-CAC7-48B9-8E46-C5EB46D78B4C}"/>
               </a:ext>
             </a:extLst>
           </p:cNvPr>
@@ -15360,10 +15360,10 @@
       </p:sp>
       <p:sp>
         <p:nvSpPr>
-          <p:cNvPr id="14" name="スライド番号プレースホルダー 13">
+          <p:cNvPr id="15" name="スライド番号プレースホルダー 14">
             <a:extLst>
               <a:ext uri="{FF2B5EF4-FFF2-40B4-BE49-F238E27FC236}">
-                <a16:creationId xmlns:a16="http://schemas.microsoft.com/office/drawing/2014/main" id="{E74D271F-D133-435B-B7B3-12AD1C7514DA}"/>
+                <a16:creationId xmlns:a16="http://schemas.microsoft.com/office/drawing/2014/main" id="{AB5A1015-37B0-481F-8BDC-94385EEC54F2}"/>
               </a:ext>
             </a:extLst>
           </p:cNvPr>
@@ -15983,10 +15983,10 @@
       </p:sp>
       <p:sp>
         <p:nvSpPr>
-          <p:cNvPr id="14" name="スライド番号プレースホルダー 13">
+          <p:cNvPr id="15" name="スライド番号プレースホルダー 14">
             <a:extLst>
               <a:ext uri="{FF2B5EF4-FFF2-40B4-BE49-F238E27FC236}">
-                <a16:creationId xmlns:a16="http://schemas.microsoft.com/office/drawing/2014/main" id="{3AA8F945-CB10-4EA3-880D-8AA0FDB1DF53}"/>
+                <a16:creationId xmlns:a16="http://schemas.microsoft.com/office/drawing/2014/main" id="{59709736-E792-441F-99FA-6691391D8FDE}"/>
               </a:ext>
             </a:extLst>
           </p:cNvPr>
@@ -16623,10 +16623,10 @@
       </p:sp>
       <p:sp>
         <p:nvSpPr>
-          <p:cNvPr id="9" name="スライド番号プレースホルダー 8">
+          <p:cNvPr id="14" name="スライド番号プレースホルダー 13">
             <a:extLst>
               <a:ext uri="{FF2B5EF4-FFF2-40B4-BE49-F238E27FC236}">
-                <a16:creationId xmlns:a16="http://schemas.microsoft.com/office/drawing/2014/main" id="{2D5BF8FF-E1D1-4B9E-B039-992E48A6BBFF}"/>
+                <a16:creationId xmlns:a16="http://schemas.microsoft.com/office/drawing/2014/main" id="{5B33801C-E4B5-4D9F-AF51-F31804454152}"/>
               </a:ext>
             </a:extLst>
           </p:cNvPr>
@@ -18392,10 +18392,10 @@
       </p:sp>
       <p:sp>
         <p:nvSpPr>
-          <p:cNvPr id="9" name="スライド番号プレースホルダー 8">
+          <p:cNvPr id="10" name="スライド番号プレースホルダー 9">
             <a:extLst>
               <a:ext uri="{FF2B5EF4-FFF2-40B4-BE49-F238E27FC236}">
-                <a16:creationId xmlns:a16="http://schemas.microsoft.com/office/drawing/2014/main" id="{8B5CC1D5-7359-4AE4-977C-AD3D2292979B}"/>
+                <a16:creationId xmlns:a16="http://schemas.microsoft.com/office/drawing/2014/main" id="{6A737A9D-DE07-4874-B3AF-B4640524A4D0}"/>
               </a:ext>
             </a:extLst>
           </p:cNvPr>
@@ -18973,10 +18973,10 @@
       </p:sp>
       <p:sp>
         <p:nvSpPr>
-          <p:cNvPr id="14" name="スライド番号プレースホルダー 13">
+          <p:cNvPr id="15" name="スライド番号プレースホルダー 14">
             <a:extLst>
               <a:ext uri="{FF2B5EF4-FFF2-40B4-BE49-F238E27FC236}">
-                <a16:creationId xmlns:a16="http://schemas.microsoft.com/office/drawing/2014/main" id="{0E49E952-D0DE-4DAB-A935-3AC41C4665D4}"/>
+                <a16:creationId xmlns:a16="http://schemas.microsoft.com/office/drawing/2014/main" id="{65F9DE9C-7341-4DED-A681-A92E95918AA6}"/>
               </a:ext>
             </a:extLst>
           </p:cNvPr>
@@ -19702,10 +19702,10 @@
       </p:sp>
       <p:sp>
         <p:nvSpPr>
-          <p:cNvPr id="14" name="スライド番号プレースホルダー 13">
+          <p:cNvPr id="15" name="スライド番号プレースホルダー 14">
             <a:extLst>
               <a:ext uri="{FF2B5EF4-FFF2-40B4-BE49-F238E27FC236}">
-                <a16:creationId xmlns:a16="http://schemas.microsoft.com/office/drawing/2014/main" id="{FB7A4700-1FC8-4F59-9DCA-9839A7894228}"/>
+                <a16:creationId xmlns:a16="http://schemas.microsoft.com/office/drawing/2014/main" id="{640E21E8-F22B-4473-8C27-0B8A7C07545E}"/>
               </a:ext>
             </a:extLst>
           </p:cNvPr>
@@ -20464,10 +20464,10 @@
       </p:sp>
       <p:sp>
         <p:nvSpPr>
-          <p:cNvPr id="14" name="スライド番号プレースホルダー 13">
+          <p:cNvPr id="15" name="スライド番号プレースホルダー 14">
             <a:extLst>
               <a:ext uri="{FF2B5EF4-FFF2-40B4-BE49-F238E27FC236}">
-                <a16:creationId xmlns:a16="http://schemas.microsoft.com/office/drawing/2014/main" id="{5CC3470D-F281-4BCF-ACB9-D7B20E5DB85E}"/>
+                <a16:creationId xmlns:a16="http://schemas.microsoft.com/office/drawing/2014/main" id="{2094720B-2DD2-4278-A1EF-B1E3039C4CBD}"/>
               </a:ext>
             </a:extLst>
           </p:cNvPr>
@@ -21068,10 +21068,10 @@
       </p:sp>
       <p:sp>
         <p:nvSpPr>
-          <p:cNvPr id="14" name="スライド番号プレースホルダー 13">
+          <p:cNvPr id="15" name="スライド番号プレースホルダー 14">
             <a:extLst>
               <a:ext uri="{FF2B5EF4-FFF2-40B4-BE49-F238E27FC236}">
-                <a16:creationId xmlns:a16="http://schemas.microsoft.com/office/drawing/2014/main" id="{120E4AB5-D23D-4067-AE93-ED3BCBF411D0}"/>
+                <a16:creationId xmlns:a16="http://schemas.microsoft.com/office/drawing/2014/main" id="{AC82BC1C-0697-496C-87E2-E058E59203F3}"/>
               </a:ext>
             </a:extLst>
           </p:cNvPr>
@@ -21869,10 +21869,10 @@
       </p:sp>
       <p:sp>
         <p:nvSpPr>
-          <p:cNvPr id="14" name="スライド番号プレースホルダー 13">
+          <p:cNvPr id="15" name="スライド番号プレースホルダー 14">
             <a:extLst>
               <a:ext uri="{FF2B5EF4-FFF2-40B4-BE49-F238E27FC236}">
-                <a16:creationId xmlns:a16="http://schemas.microsoft.com/office/drawing/2014/main" id="{434E717F-886F-425B-94BC-0B5CEF6D5BED}"/>
+                <a16:creationId xmlns:a16="http://schemas.microsoft.com/office/drawing/2014/main" id="{BD25603D-8EB1-49B7-BFAF-ABCFC880EDA0}"/>
               </a:ext>
             </a:extLst>
           </p:cNvPr>
@@ -22699,10 +22699,10 @@
       </p:sp>
       <p:sp>
         <p:nvSpPr>
-          <p:cNvPr id="11" name="スライド番号プレースホルダー 10">
+          <p:cNvPr id="15" name="スライド番号プレースホルダー 14">
             <a:extLst>
               <a:ext uri="{FF2B5EF4-FFF2-40B4-BE49-F238E27FC236}">
-                <a16:creationId xmlns:a16="http://schemas.microsoft.com/office/drawing/2014/main" id="{AD92D64C-BB5A-4365-9B2C-92C928EBB0D3}"/>
+                <a16:creationId xmlns:a16="http://schemas.microsoft.com/office/drawing/2014/main" id="{46F5B8B7-035E-4F66-8411-2DDDE2297B61}"/>
               </a:ext>
             </a:extLst>
           </p:cNvPr>
@@ -23486,10 +23486,10 @@
       </p:sp>
       <p:sp>
         <p:nvSpPr>
-          <p:cNvPr id="14" name="スライド番号プレースホルダー 13">
+          <p:cNvPr id="15" name="スライド番号プレースホルダー 14">
             <a:extLst>
               <a:ext uri="{FF2B5EF4-FFF2-40B4-BE49-F238E27FC236}">
-                <a16:creationId xmlns:a16="http://schemas.microsoft.com/office/drawing/2014/main" id="{BBB8C8A2-7AF6-4846-8639-0CF365AD843A}"/>
+                <a16:creationId xmlns:a16="http://schemas.microsoft.com/office/drawing/2014/main" id="{62BE9BD0-F874-4A80-B05A-3C6A4D3201F8}"/>
               </a:ext>
             </a:extLst>
           </p:cNvPr>
@@ -24173,10 +24173,10 @@
       </p:sp>
       <p:sp>
         <p:nvSpPr>
-          <p:cNvPr id="14" name="スライド番号プレースホルダー 13">
+          <p:cNvPr id="15" name="スライド番号プレースホルダー 14">
             <a:extLst>
               <a:ext uri="{FF2B5EF4-FFF2-40B4-BE49-F238E27FC236}">
-                <a16:creationId xmlns:a16="http://schemas.microsoft.com/office/drawing/2014/main" id="{3DDFDFC9-9481-4BE6-A0EE-5AE509A29C00}"/>
+                <a16:creationId xmlns:a16="http://schemas.microsoft.com/office/drawing/2014/main" id="{2F289F99-5B74-4407-945D-A58FE8F180E1}"/>
               </a:ext>
             </a:extLst>
           </p:cNvPr>
@@ -24874,10 +24874,10 @@
       </p:sp>
       <p:sp>
         <p:nvSpPr>
-          <p:cNvPr id="11" name="スライド番号プレースホルダー 10">
+          <p:cNvPr id="15" name="スライド番号プレースホルダー 14">
             <a:extLst>
               <a:ext uri="{FF2B5EF4-FFF2-40B4-BE49-F238E27FC236}">
-                <a16:creationId xmlns:a16="http://schemas.microsoft.com/office/drawing/2014/main" id="{19C6FC8D-8E9A-4546-8A50-CF0B4821BAF1}"/>
+                <a16:creationId xmlns:a16="http://schemas.microsoft.com/office/drawing/2014/main" id="{83BC55E2-F4F4-4279-8BD1-5D75A71AAA20}"/>
               </a:ext>
             </a:extLst>
           </p:cNvPr>
@@ -24982,7 +24982,7 @@
                 <a:ea typeface="Meiryo UI" panose="020B0604030504040204" pitchFamily="50" charset="-128"/>
                 <a:cs typeface="Meiryo UI" panose="020B0604030504040204" pitchFamily="50" charset="-128"/>
               </a:rPr>
-              <a:t>もあります。</a:t>
+              <a:t>も</a:t>
             </a:r>
           </a:p>
           <a:p>
@@ -25418,7 +25418,7 @@
         </p:nvSpPr>
         <p:spPr>
           <a:xfrm>
-            <a:off x="457200" y="3648796"/>
+            <a:off x="467544" y="3694747"/>
             <a:ext cx="8291264" cy="2707554"/>
           </a:xfrm>
         </p:spPr>
@@ -25532,10 +25532,10 @@
       </p:sp>
       <p:sp>
         <p:nvSpPr>
-          <p:cNvPr id="11" name="スライド番号プレースホルダー 10">
+          <p:cNvPr id="14" name="スライド番号プレースホルダー 13">
             <a:extLst>
               <a:ext uri="{FF2B5EF4-FFF2-40B4-BE49-F238E27FC236}">
-                <a16:creationId xmlns:a16="http://schemas.microsoft.com/office/drawing/2014/main" id="{3DE21DFD-77C8-4C41-B452-39291D8C4BD0}"/>
+                <a16:creationId xmlns:a16="http://schemas.microsoft.com/office/drawing/2014/main" id="{B583A2DF-AB61-47D6-AD4E-DA1319E39FCC}"/>
               </a:ext>
             </a:extLst>
           </p:cNvPr>
@@ -26256,10 +26256,10 @@
       </p:sp>
       <p:sp>
         <p:nvSpPr>
-          <p:cNvPr id="14" name="スライド番号プレースホルダー 13">
+          <p:cNvPr id="15" name="スライド番号プレースホルダー 14">
             <a:extLst>
               <a:ext uri="{FF2B5EF4-FFF2-40B4-BE49-F238E27FC236}">
-                <a16:creationId xmlns:a16="http://schemas.microsoft.com/office/drawing/2014/main" id="{2732B703-8AA2-4E74-A3B9-8974EE103165}"/>
+                <a16:creationId xmlns:a16="http://schemas.microsoft.com/office/drawing/2014/main" id="{9FE0D069-01FB-40D6-A4D2-B5A18C559406}"/>
               </a:ext>
             </a:extLst>
           </p:cNvPr>
@@ -26908,10 +26908,10 @@
       </p:sp>
       <p:sp>
         <p:nvSpPr>
-          <p:cNvPr id="11" name="スライド番号プレースホルダー 10">
+          <p:cNvPr id="15" name="スライド番号プレースホルダー 14">
             <a:extLst>
               <a:ext uri="{FF2B5EF4-FFF2-40B4-BE49-F238E27FC236}">
-                <a16:creationId xmlns:a16="http://schemas.microsoft.com/office/drawing/2014/main" id="{09041B85-3480-493A-9874-0814FD7EDDE6}"/>
+                <a16:creationId xmlns:a16="http://schemas.microsoft.com/office/drawing/2014/main" id="{0504FA3E-F41D-4C0A-8253-077BA45CC972}"/>
               </a:ext>
             </a:extLst>
           </p:cNvPr>
@@ -27620,10 +27620,10 @@
       </p:sp>
       <p:sp>
         <p:nvSpPr>
-          <p:cNvPr id="9" name="スライド番号プレースホルダー 8">
+          <p:cNvPr id="14" name="スライド番号プレースホルダー 13">
             <a:extLst>
               <a:ext uri="{FF2B5EF4-FFF2-40B4-BE49-F238E27FC236}">
-                <a16:creationId xmlns:a16="http://schemas.microsoft.com/office/drawing/2014/main" id="{A7E87BF6-214D-4CF0-A08B-FF46C0E978C3}"/>
+                <a16:creationId xmlns:a16="http://schemas.microsoft.com/office/drawing/2014/main" id="{E07D9710-8107-424A-AD9B-DF68AD66ABE9}"/>
               </a:ext>
             </a:extLst>
           </p:cNvPr>
@@ -28363,10 +28363,10 @@
       </p:sp>
       <p:sp>
         <p:nvSpPr>
-          <p:cNvPr id="14" name="スライド番号プレースホルダー 13">
+          <p:cNvPr id="15" name="スライド番号プレースホルダー 14">
             <a:extLst>
               <a:ext uri="{FF2B5EF4-FFF2-40B4-BE49-F238E27FC236}">
-                <a16:creationId xmlns:a16="http://schemas.microsoft.com/office/drawing/2014/main" id="{BF2C36E2-C556-4788-A1AF-67A192CCAEFA}"/>
+                <a16:creationId xmlns:a16="http://schemas.microsoft.com/office/drawing/2014/main" id="{C6BEBC5C-DA09-4870-90DF-6217F71DEC05}"/>
               </a:ext>
             </a:extLst>
           </p:cNvPr>
@@ -28959,10 +28959,10 @@
       </p:sp>
       <p:sp>
         <p:nvSpPr>
-          <p:cNvPr id="14" name="スライド番号プレースホルダー 13">
+          <p:cNvPr id="15" name="スライド番号プレースホルダー 14">
             <a:extLst>
               <a:ext uri="{FF2B5EF4-FFF2-40B4-BE49-F238E27FC236}">
-                <a16:creationId xmlns:a16="http://schemas.microsoft.com/office/drawing/2014/main" id="{CBA329BC-43E9-4C1E-A392-02EFE18F8F86}"/>
+                <a16:creationId xmlns:a16="http://schemas.microsoft.com/office/drawing/2014/main" id="{3795A02C-51E3-4D22-87C4-C526C041D113}"/>
               </a:ext>
             </a:extLst>
           </p:cNvPr>
@@ -29554,10 +29554,10 @@
       </p:sp>
       <p:sp>
         <p:nvSpPr>
-          <p:cNvPr id="9" name="スライド番号プレースホルダー 8">
+          <p:cNvPr id="14" name="スライド番号プレースホルダー 13">
             <a:extLst>
               <a:ext uri="{FF2B5EF4-FFF2-40B4-BE49-F238E27FC236}">
-                <a16:creationId xmlns:a16="http://schemas.microsoft.com/office/drawing/2014/main" id="{4833BAB3-F104-4BDB-8719-05D87B361A82}"/>
+                <a16:creationId xmlns:a16="http://schemas.microsoft.com/office/drawing/2014/main" id="{46AB7D0C-4286-4164-8D44-D1BA1F15E23A}"/>
               </a:ext>
             </a:extLst>
           </p:cNvPr>
@@ -30446,10 +30446,10 @@
       </p:sp>
       <p:sp>
         <p:nvSpPr>
-          <p:cNvPr id="9" name="スライド番号プレースホルダー 8">
+          <p:cNvPr id="10" name="スライド番号プレースホルダー 9">
             <a:extLst>
               <a:ext uri="{FF2B5EF4-FFF2-40B4-BE49-F238E27FC236}">
-                <a16:creationId xmlns:a16="http://schemas.microsoft.com/office/drawing/2014/main" id="{67B02C66-0D2D-4093-A07F-DFEB98122DA7}"/>
+                <a16:creationId xmlns:a16="http://schemas.microsoft.com/office/drawing/2014/main" id="{F6BAA94E-A05C-4044-ADBF-9B479CA9F060}"/>
               </a:ext>
             </a:extLst>
           </p:cNvPr>
@@ -31171,10 +31171,10 @@
       </p:sp>
       <p:sp>
         <p:nvSpPr>
-          <p:cNvPr id="14" name="スライド番号プレースホルダー 13">
+          <p:cNvPr id="15" name="スライド番号プレースホルダー 14">
             <a:extLst>
               <a:ext uri="{FF2B5EF4-FFF2-40B4-BE49-F238E27FC236}">
-                <a16:creationId xmlns:a16="http://schemas.microsoft.com/office/drawing/2014/main" id="{41A5A8E2-F1BA-499D-9B35-8B2B53418DDA}"/>
+                <a16:creationId xmlns:a16="http://schemas.microsoft.com/office/drawing/2014/main" id="{F8DFA68B-A3E6-4E6B-B2FD-7063F9CB146F}"/>
               </a:ext>
             </a:extLst>
           </p:cNvPr>
@@ -31864,10 +31864,10 @@
       </p:sp>
       <p:sp>
         <p:nvSpPr>
-          <p:cNvPr id="14" name="スライド番号プレースホルダー 13">
+          <p:cNvPr id="15" name="スライド番号プレースホルダー 14">
             <a:extLst>
               <a:ext uri="{FF2B5EF4-FFF2-40B4-BE49-F238E27FC236}">
-                <a16:creationId xmlns:a16="http://schemas.microsoft.com/office/drawing/2014/main" id="{23D430E3-A137-461D-A3F7-B0063727D51D}"/>
+                <a16:creationId xmlns:a16="http://schemas.microsoft.com/office/drawing/2014/main" id="{965C82F6-C055-4166-82F1-1095AED08C90}"/>
               </a:ext>
             </a:extLst>
           </p:cNvPr>
@@ -32617,10 +32617,10 @@
       </p:sp>
       <p:sp>
         <p:nvSpPr>
-          <p:cNvPr id="10" name="スライド番号プレースホルダー 9">
+          <p:cNvPr id="14" name="スライド番号プレースホルダー 13">
             <a:extLst>
               <a:ext uri="{FF2B5EF4-FFF2-40B4-BE49-F238E27FC236}">
-                <a16:creationId xmlns:a16="http://schemas.microsoft.com/office/drawing/2014/main" id="{FF0C8C25-D28C-401F-9691-B777DEEE8606}"/>
+                <a16:creationId xmlns:a16="http://schemas.microsoft.com/office/drawing/2014/main" id="{D9F8E116-26BA-4B27-8471-CDF2188C133B}"/>
               </a:ext>
             </a:extLst>
           </p:cNvPr>
@@ -33373,10 +33373,10 @@
       </p:sp>
       <p:sp>
         <p:nvSpPr>
-          <p:cNvPr id="14" name="スライド番号プレースホルダー 13">
+          <p:cNvPr id="15" name="スライド番号プレースホルダー 14">
             <a:extLst>
               <a:ext uri="{FF2B5EF4-FFF2-40B4-BE49-F238E27FC236}">
-                <a16:creationId xmlns:a16="http://schemas.microsoft.com/office/drawing/2014/main" id="{6B138DA3-0ED3-4894-A45C-1EBC1F7D1918}"/>
+                <a16:creationId xmlns:a16="http://schemas.microsoft.com/office/drawing/2014/main" id="{97DA2D0C-CC27-4F61-9E70-69ACA4F26DF1}"/>
               </a:ext>
             </a:extLst>
           </p:cNvPr>
@@ -33975,10 +33975,10 @@
       </p:sp>
       <p:sp>
         <p:nvSpPr>
-          <p:cNvPr id="14" name="スライド番号プレースホルダー 13">
+          <p:cNvPr id="15" name="スライド番号プレースホルダー 14">
             <a:extLst>
               <a:ext uri="{FF2B5EF4-FFF2-40B4-BE49-F238E27FC236}">
-                <a16:creationId xmlns:a16="http://schemas.microsoft.com/office/drawing/2014/main" id="{45E0F4FA-17DF-46F9-A3AC-9B9381D73BC8}"/>
+                <a16:creationId xmlns:a16="http://schemas.microsoft.com/office/drawing/2014/main" id="{A6F630B6-C88D-4400-8C34-111981E356D9}"/>
               </a:ext>
             </a:extLst>
           </p:cNvPr>
@@ -34742,10 +34742,10 @@
       </p:sp>
       <p:sp>
         <p:nvSpPr>
-          <p:cNvPr id="9" name="スライド番号プレースホルダー 8">
+          <p:cNvPr id="14" name="スライド番号プレースホルダー 13">
             <a:extLst>
               <a:ext uri="{FF2B5EF4-FFF2-40B4-BE49-F238E27FC236}">
-                <a16:creationId xmlns:a16="http://schemas.microsoft.com/office/drawing/2014/main" id="{E525464F-0AC8-40B9-8FC6-E301761657C1}"/>
+                <a16:creationId xmlns:a16="http://schemas.microsoft.com/office/drawing/2014/main" id="{8037AE5A-0338-400B-A13C-0C16C7D83CE3}"/>
               </a:ext>
             </a:extLst>
           </p:cNvPr>
@@ -35457,10 +35457,10 @@
       </p:sp>
       <p:sp>
         <p:nvSpPr>
-          <p:cNvPr id="11" name="スライド番号プレースホルダー 10">
+          <p:cNvPr id="15" name="スライド番号プレースホルダー 14">
             <a:extLst>
               <a:ext uri="{FF2B5EF4-FFF2-40B4-BE49-F238E27FC236}">
-                <a16:creationId xmlns:a16="http://schemas.microsoft.com/office/drawing/2014/main" id="{BA02CAF5-648D-44FB-BCDD-7A2832B38F94}"/>
+                <a16:creationId xmlns:a16="http://schemas.microsoft.com/office/drawing/2014/main" id="{5D1B9D8D-5886-4ECA-8EA8-1C42BFAA7845}"/>
               </a:ext>
             </a:extLst>
           </p:cNvPr>
@@ -36087,10 +36087,10 @@
       </p:sp>
       <p:sp>
         <p:nvSpPr>
-          <p:cNvPr id="14" name="スライド番号プレースホルダー 13">
+          <p:cNvPr id="15" name="スライド番号プレースホルダー 14">
             <a:extLst>
               <a:ext uri="{FF2B5EF4-FFF2-40B4-BE49-F238E27FC236}">
-                <a16:creationId xmlns:a16="http://schemas.microsoft.com/office/drawing/2014/main" id="{7969B0D2-53EA-4158-85F9-8DE5F7014793}"/>
+                <a16:creationId xmlns:a16="http://schemas.microsoft.com/office/drawing/2014/main" id="{15E4C77A-1EBD-4D4E-AA94-4B0BBDFC33AE}"/>
               </a:ext>
             </a:extLst>
           </p:cNvPr>
@@ -36760,10 +36760,10 @@
       </p:sp>
       <p:sp>
         <p:nvSpPr>
-          <p:cNvPr id="14" name="スライド番号プレースホルダー 13">
+          <p:cNvPr id="15" name="スライド番号プレースホルダー 14">
             <a:extLst>
               <a:ext uri="{FF2B5EF4-FFF2-40B4-BE49-F238E27FC236}">
-                <a16:creationId xmlns:a16="http://schemas.microsoft.com/office/drawing/2014/main" id="{A011AA41-3403-43A6-9609-522ACB173287}"/>
+                <a16:creationId xmlns:a16="http://schemas.microsoft.com/office/drawing/2014/main" id="{37EA31F1-1B88-408D-A3A1-42936E3B2699}"/>
               </a:ext>
             </a:extLst>
           </p:cNvPr>
@@ -37409,10 +37409,10 @@
       </p:sp>
       <p:sp>
         <p:nvSpPr>
-          <p:cNvPr id="9" name="スライド番号プレースホルダー 8">
+          <p:cNvPr id="14" name="スライド番号プレースホルダー 13">
             <a:extLst>
               <a:ext uri="{FF2B5EF4-FFF2-40B4-BE49-F238E27FC236}">
-                <a16:creationId xmlns:a16="http://schemas.microsoft.com/office/drawing/2014/main" id="{BC82F1AE-F7CC-433C-BAE3-FB73FD3515CE}"/>
+                <a16:creationId xmlns:a16="http://schemas.microsoft.com/office/drawing/2014/main" id="{525B828B-2F24-47C7-8F69-9BA1E2E7E668}"/>
               </a:ext>
             </a:extLst>
           </p:cNvPr>
@@ -38139,10 +38139,10 @@
       </p:sp>
       <p:sp>
         <p:nvSpPr>
-          <p:cNvPr id="15" name="スライド番号プレースホルダー 14">
+          <p:cNvPr id="16" name="スライド番号プレースホルダー 15">
             <a:extLst>
               <a:ext uri="{FF2B5EF4-FFF2-40B4-BE49-F238E27FC236}">
-                <a16:creationId xmlns:a16="http://schemas.microsoft.com/office/drawing/2014/main" id="{9C41FE85-3911-4D29-AEB6-3DCF664FC5CD}"/>
+                <a16:creationId xmlns:a16="http://schemas.microsoft.com/office/drawing/2014/main" id="{0A0419C5-BFA5-4267-B2F1-6BB63595815F}"/>
               </a:ext>
             </a:extLst>
           </p:cNvPr>
@@ -38848,10 +38848,10 @@
       </p:sp>
       <p:sp>
         <p:nvSpPr>
-          <p:cNvPr id="14" name="スライド番号プレースホルダー 13">
+          <p:cNvPr id="15" name="スライド番号プレースホルダー 14">
             <a:extLst>
               <a:ext uri="{FF2B5EF4-FFF2-40B4-BE49-F238E27FC236}">
-                <a16:creationId xmlns:a16="http://schemas.microsoft.com/office/drawing/2014/main" id="{CEA1BBB4-9AED-4989-A8CA-C8FDEEEDECCF}"/>
+                <a16:creationId xmlns:a16="http://schemas.microsoft.com/office/drawing/2014/main" id="{59DFD7C0-1DAC-4997-8DF9-3E719937C688}"/>
               </a:ext>
             </a:extLst>
           </p:cNvPr>
@@ -39536,10 +39536,10 @@
       </p:sp>
       <p:sp>
         <p:nvSpPr>
-          <p:cNvPr id="14" name="スライド番号プレースホルダー 13">
+          <p:cNvPr id="15" name="スライド番号プレースホルダー 14">
             <a:extLst>
               <a:ext uri="{FF2B5EF4-FFF2-40B4-BE49-F238E27FC236}">
-                <a16:creationId xmlns:a16="http://schemas.microsoft.com/office/drawing/2014/main" id="{C9CA5D98-7B27-480F-A8B8-C93CA74667F8}"/>
+                <a16:creationId xmlns:a16="http://schemas.microsoft.com/office/drawing/2014/main" id="{946BABEF-7917-4262-8699-65CA22BD02CF}"/>
               </a:ext>
             </a:extLst>
           </p:cNvPr>
@@ -40220,10 +40220,10 @@
       </p:sp>
       <p:sp>
         <p:nvSpPr>
-          <p:cNvPr id="14" name="スライド番号プレースホルダー 13">
+          <p:cNvPr id="15" name="スライド番号プレースホルダー 14">
             <a:extLst>
               <a:ext uri="{FF2B5EF4-FFF2-40B4-BE49-F238E27FC236}">
-                <a16:creationId xmlns:a16="http://schemas.microsoft.com/office/drawing/2014/main" id="{F28BF820-EA0A-48A7-8246-EA7F216F3E74}"/>
+                <a16:creationId xmlns:a16="http://schemas.microsoft.com/office/drawing/2014/main" id="{866E0E64-EAC3-4A75-8A92-E6408E26603B}"/>
               </a:ext>
             </a:extLst>
           </p:cNvPr>
@@ -40542,10 +40542,10 @@
       </p:sp>
       <p:sp>
         <p:nvSpPr>
-          <p:cNvPr id="8" name="スライド番号プレースホルダー 7">
+          <p:cNvPr id="9" name="スライド番号プレースホルダー 8">
             <a:extLst>
               <a:ext uri="{FF2B5EF4-FFF2-40B4-BE49-F238E27FC236}">
-                <a16:creationId xmlns:a16="http://schemas.microsoft.com/office/drawing/2014/main" id="{F7EF5FCB-C1CB-42CB-A30A-091F73703EB8}"/>
+                <a16:creationId xmlns:a16="http://schemas.microsoft.com/office/drawing/2014/main" id="{16C02B04-87CE-4D87-B60E-D373BEEE7DBD}"/>
               </a:ext>
             </a:extLst>
           </p:cNvPr>
@@ -41189,10 +41189,10 @@
       </p:sp>
       <p:sp>
         <p:nvSpPr>
-          <p:cNvPr id="14" name="スライド番号プレースホルダー 13">
+          <p:cNvPr id="15" name="スライド番号プレースホルダー 14">
             <a:extLst>
               <a:ext uri="{FF2B5EF4-FFF2-40B4-BE49-F238E27FC236}">
-                <a16:creationId xmlns:a16="http://schemas.microsoft.com/office/drawing/2014/main" id="{3BE2C85A-51E5-412B-A696-0CF0C77DDF0B}"/>
+                <a16:creationId xmlns:a16="http://schemas.microsoft.com/office/drawing/2014/main" id="{2E9A939B-2F6A-4BA9-8F19-6E7EF0A288CC}"/>
               </a:ext>
             </a:extLst>
           </p:cNvPr>
@@ -42152,10 +42152,10 @@
       </p:sp>
       <p:sp>
         <p:nvSpPr>
-          <p:cNvPr id="14" name="スライド番号プレースホルダー 13">
+          <p:cNvPr id="15" name="スライド番号プレースホルダー 14">
             <a:extLst>
               <a:ext uri="{FF2B5EF4-FFF2-40B4-BE49-F238E27FC236}">
-                <a16:creationId xmlns:a16="http://schemas.microsoft.com/office/drawing/2014/main" id="{3471248A-EB14-43CE-B499-DCDB1B4C1AC8}"/>
+                <a16:creationId xmlns:a16="http://schemas.microsoft.com/office/drawing/2014/main" id="{151B1B62-7224-49EE-A4F0-D506CC5716A1}"/>
               </a:ext>
             </a:extLst>
           </p:cNvPr>
@@ -42759,10 +42759,10 @@
       </p:sp>
       <p:sp>
         <p:nvSpPr>
-          <p:cNvPr id="14" name="スライド番号プレースホルダー 13">
+          <p:cNvPr id="15" name="スライド番号プレースホルダー 14">
             <a:extLst>
               <a:ext uri="{FF2B5EF4-FFF2-40B4-BE49-F238E27FC236}">
-                <a16:creationId xmlns:a16="http://schemas.microsoft.com/office/drawing/2014/main" id="{48A5C4A2-0696-4599-85E2-372C0767C006}"/>
+                <a16:creationId xmlns:a16="http://schemas.microsoft.com/office/drawing/2014/main" id="{4CCFAF4C-05DF-4394-BE33-8FCFCBE1C7A6}"/>
               </a:ext>
             </a:extLst>
           </p:cNvPr>
@@ -43464,10 +43464,10 @@
       </p:sp>
       <p:sp>
         <p:nvSpPr>
-          <p:cNvPr id="14" name="スライド番号プレースホルダー 13">
+          <p:cNvPr id="15" name="スライド番号プレースホルダー 14">
             <a:extLst>
               <a:ext uri="{FF2B5EF4-FFF2-40B4-BE49-F238E27FC236}">
-                <a16:creationId xmlns:a16="http://schemas.microsoft.com/office/drawing/2014/main" id="{82CFDC69-6C3F-4835-963D-C2B89443A376}"/>
+                <a16:creationId xmlns:a16="http://schemas.microsoft.com/office/drawing/2014/main" id="{6213EA43-1DFD-4DCB-9A2C-8D2825E03837}"/>
               </a:ext>
             </a:extLst>
           </p:cNvPr>
@@ -44066,10 +44066,10 @@
       </p:sp>
       <p:sp>
         <p:nvSpPr>
-          <p:cNvPr id="14" name="スライド番号プレースホルダー 13">
+          <p:cNvPr id="15" name="スライド番号プレースホルダー 14">
             <a:extLst>
               <a:ext uri="{FF2B5EF4-FFF2-40B4-BE49-F238E27FC236}">
-                <a16:creationId xmlns:a16="http://schemas.microsoft.com/office/drawing/2014/main" id="{8A764F87-C123-4682-9B14-DAFB8EA93CE7}"/>
+                <a16:creationId xmlns:a16="http://schemas.microsoft.com/office/drawing/2014/main" id="{FA26CEE8-9DAF-42DD-8341-E0C2505836D7}"/>
               </a:ext>
             </a:extLst>
           </p:cNvPr>
